--- a/f-idea.pptx
+++ b/f-idea.pptx
@@ -5,7 +5,8 @@
     <p:sldMasterId id="2147483648" r:id="rId1"/>
   </p:sldMasterIdLst>
   <p:sldIdLst>
-    <p:sldId id="256" r:id="rId2"/>
+    <p:sldId id="257" r:id="rId2"/>
+    <p:sldId id="256" r:id="rId3"/>
   </p:sldIdLst>
   <p:sldSz cx="12192000" cy="6858000"/>
   <p:notesSz cx="6858000" cy="9144000"/>
@@ -104,7 +105,3658 @@
       </a:defRPr>
     </a:lvl9pPr>
   </p:defaultTextStyle>
+  <p:extLst>
+    <p:ext uri="{EFAFB233-063F-42B5-8137-9DF3F51BA10A}">
+      <p15:sldGuideLst xmlns:p15="http://schemas.microsoft.com/office/powerpoint/2012/main"/>
+    </p:ext>
+  </p:extLst>
 </p:presentation>
+</file>
+
+<file path=ppt/diagrams/colors1.xml><?xml version="1.0" encoding="utf-8"?>
+<dgm:colorsDef xmlns:dgm="http://schemas.openxmlformats.org/drawingml/2006/diagram" xmlns:a="http://schemas.openxmlformats.org/drawingml/2006/main" uniqueId="urn:microsoft.com/office/officeart/2005/8/colors/accent1_2">
+  <dgm:title val=""/>
+  <dgm:desc val=""/>
+  <dgm:catLst>
+    <dgm:cat type="accent1" pri="11200"/>
+  </dgm:catLst>
+  <dgm:styleLbl name="node0">
+    <dgm:fillClrLst meth="repeat">
+      <a:schemeClr val="accent1"/>
+    </dgm:fillClrLst>
+    <dgm:linClrLst meth="repeat">
+      <a:schemeClr val="lt1"/>
+    </dgm:linClrLst>
+    <dgm:effectClrLst/>
+    <dgm:txLinClrLst/>
+    <dgm:txFillClrLst/>
+    <dgm:txEffectClrLst/>
+  </dgm:styleLbl>
+  <dgm:styleLbl name="alignNode1">
+    <dgm:fillClrLst meth="repeat">
+      <a:schemeClr val="accent1"/>
+    </dgm:fillClrLst>
+    <dgm:linClrLst meth="repeat">
+      <a:schemeClr val="accent1"/>
+    </dgm:linClrLst>
+    <dgm:effectClrLst/>
+    <dgm:txLinClrLst/>
+    <dgm:txFillClrLst/>
+    <dgm:txEffectClrLst/>
+  </dgm:styleLbl>
+  <dgm:styleLbl name="node1">
+    <dgm:fillClrLst meth="repeat">
+      <a:schemeClr val="accent1"/>
+    </dgm:fillClrLst>
+    <dgm:linClrLst meth="repeat">
+      <a:schemeClr val="lt1"/>
+    </dgm:linClrLst>
+    <dgm:effectClrLst/>
+    <dgm:txLinClrLst/>
+    <dgm:txFillClrLst/>
+    <dgm:txEffectClrLst/>
+  </dgm:styleLbl>
+  <dgm:styleLbl name="lnNode1">
+    <dgm:fillClrLst meth="repeat">
+      <a:schemeClr val="accent1"/>
+    </dgm:fillClrLst>
+    <dgm:linClrLst meth="repeat">
+      <a:schemeClr val="lt1"/>
+    </dgm:linClrLst>
+    <dgm:effectClrLst/>
+    <dgm:txLinClrLst/>
+    <dgm:txFillClrLst/>
+    <dgm:txEffectClrLst/>
+  </dgm:styleLbl>
+  <dgm:styleLbl name="vennNode1">
+    <dgm:fillClrLst meth="repeat">
+      <a:schemeClr val="accent1">
+        <a:alpha val="50000"/>
+      </a:schemeClr>
+    </dgm:fillClrLst>
+    <dgm:linClrLst meth="repeat">
+      <a:schemeClr val="lt1"/>
+    </dgm:linClrLst>
+    <dgm:effectClrLst/>
+    <dgm:txLinClrLst/>
+    <dgm:txFillClrLst/>
+    <dgm:txEffectClrLst/>
+  </dgm:styleLbl>
+  <dgm:styleLbl name="node2">
+    <dgm:fillClrLst meth="repeat">
+      <a:schemeClr val="accent1"/>
+    </dgm:fillClrLst>
+    <dgm:linClrLst meth="repeat">
+      <a:schemeClr val="lt1"/>
+    </dgm:linClrLst>
+    <dgm:effectClrLst/>
+    <dgm:txLinClrLst/>
+    <dgm:txFillClrLst/>
+    <dgm:txEffectClrLst/>
+  </dgm:styleLbl>
+  <dgm:styleLbl name="node3">
+    <dgm:fillClrLst meth="repeat">
+      <a:schemeClr val="accent1"/>
+    </dgm:fillClrLst>
+    <dgm:linClrLst meth="repeat">
+      <a:schemeClr val="lt1"/>
+    </dgm:linClrLst>
+    <dgm:effectClrLst/>
+    <dgm:txLinClrLst/>
+    <dgm:txFillClrLst/>
+    <dgm:txEffectClrLst/>
+  </dgm:styleLbl>
+  <dgm:styleLbl name="node4">
+    <dgm:fillClrLst meth="repeat">
+      <a:schemeClr val="accent1"/>
+    </dgm:fillClrLst>
+    <dgm:linClrLst meth="repeat">
+      <a:schemeClr val="lt1"/>
+    </dgm:linClrLst>
+    <dgm:effectClrLst/>
+    <dgm:txLinClrLst/>
+    <dgm:txFillClrLst/>
+    <dgm:txEffectClrLst/>
+  </dgm:styleLbl>
+  <dgm:styleLbl name="fgImgPlace1">
+    <dgm:fillClrLst meth="repeat">
+      <a:schemeClr val="accent1">
+        <a:tint val="50000"/>
+      </a:schemeClr>
+    </dgm:fillClrLst>
+    <dgm:linClrLst meth="repeat">
+      <a:schemeClr val="lt1"/>
+    </dgm:linClrLst>
+    <dgm:effectClrLst/>
+    <dgm:txLinClrLst/>
+    <dgm:txFillClrLst meth="repeat">
+      <a:schemeClr val="lt1"/>
+    </dgm:txFillClrLst>
+    <dgm:txEffectClrLst/>
+  </dgm:styleLbl>
+  <dgm:styleLbl name="alignImgPlace1">
+    <dgm:fillClrLst meth="repeat">
+      <a:schemeClr val="accent1">
+        <a:tint val="50000"/>
+      </a:schemeClr>
+    </dgm:fillClrLst>
+    <dgm:linClrLst meth="repeat">
+      <a:schemeClr val="lt1"/>
+    </dgm:linClrLst>
+    <dgm:effectClrLst/>
+    <dgm:txLinClrLst/>
+    <dgm:txFillClrLst meth="repeat">
+      <a:schemeClr val="lt1"/>
+    </dgm:txFillClrLst>
+    <dgm:txEffectClrLst/>
+  </dgm:styleLbl>
+  <dgm:styleLbl name="bgImgPlace1">
+    <dgm:fillClrLst meth="repeat">
+      <a:schemeClr val="accent1">
+        <a:tint val="50000"/>
+      </a:schemeClr>
+    </dgm:fillClrLst>
+    <dgm:linClrLst meth="repeat">
+      <a:schemeClr val="lt1"/>
+    </dgm:linClrLst>
+    <dgm:effectClrLst/>
+    <dgm:txLinClrLst/>
+    <dgm:txFillClrLst meth="repeat">
+      <a:schemeClr val="lt1"/>
+    </dgm:txFillClrLst>
+    <dgm:txEffectClrLst/>
+  </dgm:styleLbl>
+  <dgm:styleLbl name="sibTrans2D1">
+    <dgm:fillClrLst meth="repeat">
+      <a:schemeClr val="accent1">
+        <a:tint val="60000"/>
+      </a:schemeClr>
+    </dgm:fillClrLst>
+    <dgm:linClrLst meth="repeat">
+      <a:schemeClr val="accent1">
+        <a:tint val="60000"/>
+      </a:schemeClr>
+    </dgm:linClrLst>
+    <dgm:effectClrLst/>
+    <dgm:txLinClrLst/>
+    <dgm:txFillClrLst/>
+    <dgm:txEffectClrLst/>
+  </dgm:styleLbl>
+  <dgm:styleLbl name="fgSibTrans2D1">
+    <dgm:fillClrLst meth="repeat">
+      <a:schemeClr val="accent1">
+        <a:tint val="60000"/>
+      </a:schemeClr>
+    </dgm:fillClrLst>
+    <dgm:linClrLst meth="repeat">
+      <a:schemeClr val="accent1">
+        <a:tint val="60000"/>
+      </a:schemeClr>
+    </dgm:linClrLst>
+    <dgm:effectClrLst/>
+    <dgm:txLinClrLst/>
+    <dgm:txFillClrLst/>
+    <dgm:txEffectClrLst/>
+  </dgm:styleLbl>
+  <dgm:styleLbl name="bgSibTrans2D1">
+    <dgm:fillClrLst meth="repeat">
+      <a:schemeClr val="accent1">
+        <a:tint val="60000"/>
+      </a:schemeClr>
+    </dgm:fillClrLst>
+    <dgm:linClrLst meth="repeat">
+      <a:schemeClr val="accent1">
+        <a:tint val="60000"/>
+      </a:schemeClr>
+    </dgm:linClrLst>
+    <dgm:effectClrLst/>
+    <dgm:txLinClrLst/>
+    <dgm:txFillClrLst/>
+    <dgm:txEffectClrLst/>
+  </dgm:styleLbl>
+  <dgm:styleLbl name="sibTrans1D1">
+    <dgm:fillClrLst meth="repeat">
+      <a:schemeClr val="accent1"/>
+    </dgm:fillClrLst>
+    <dgm:linClrLst meth="repeat">
+      <a:schemeClr val="accent1"/>
+    </dgm:linClrLst>
+    <dgm:effectClrLst/>
+    <dgm:txLinClrLst/>
+    <dgm:txFillClrLst meth="repeat">
+      <a:schemeClr val="tx1"/>
+    </dgm:txFillClrLst>
+    <dgm:txEffectClrLst/>
+  </dgm:styleLbl>
+  <dgm:styleLbl name="callout">
+    <dgm:fillClrLst meth="repeat">
+      <a:schemeClr val="accent1"/>
+    </dgm:fillClrLst>
+    <dgm:linClrLst meth="repeat">
+      <a:schemeClr val="accent1">
+        <a:tint val="50000"/>
+      </a:schemeClr>
+    </dgm:linClrLst>
+    <dgm:effectClrLst/>
+    <dgm:txLinClrLst/>
+    <dgm:txFillClrLst meth="repeat">
+      <a:schemeClr val="tx1"/>
+    </dgm:txFillClrLst>
+    <dgm:txEffectClrLst/>
+  </dgm:styleLbl>
+  <dgm:styleLbl name="asst0">
+    <dgm:fillClrLst meth="repeat">
+      <a:schemeClr val="accent1"/>
+    </dgm:fillClrLst>
+    <dgm:linClrLst meth="repeat">
+      <a:schemeClr val="lt1"/>
+    </dgm:linClrLst>
+    <dgm:effectClrLst/>
+    <dgm:txLinClrLst/>
+    <dgm:txFillClrLst/>
+    <dgm:txEffectClrLst/>
+  </dgm:styleLbl>
+  <dgm:styleLbl name="asst1">
+    <dgm:fillClrLst meth="repeat">
+      <a:schemeClr val="accent1"/>
+    </dgm:fillClrLst>
+    <dgm:linClrLst meth="repeat">
+      <a:schemeClr val="lt1"/>
+    </dgm:linClrLst>
+    <dgm:effectClrLst/>
+    <dgm:txLinClrLst/>
+    <dgm:txFillClrLst/>
+    <dgm:txEffectClrLst/>
+  </dgm:styleLbl>
+  <dgm:styleLbl name="asst2">
+    <dgm:fillClrLst meth="repeat">
+      <a:schemeClr val="accent1"/>
+    </dgm:fillClrLst>
+    <dgm:linClrLst meth="repeat">
+      <a:schemeClr val="lt1"/>
+    </dgm:linClrLst>
+    <dgm:effectClrLst/>
+    <dgm:txLinClrLst/>
+    <dgm:txFillClrLst/>
+    <dgm:txEffectClrLst/>
+  </dgm:styleLbl>
+  <dgm:styleLbl name="asst3">
+    <dgm:fillClrLst meth="repeat">
+      <a:schemeClr val="accent1"/>
+    </dgm:fillClrLst>
+    <dgm:linClrLst meth="repeat">
+      <a:schemeClr val="lt1"/>
+    </dgm:linClrLst>
+    <dgm:effectClrLst/>
+    <dgm:txLinClrLst/>
+    <dgm:txFillClrLst/>
+    <dgm:txEffectClrLst/>
+  </dgm:styleLbl>
+  <dgm:styleLbl name="asst4">
+    <dgm:fillClrLst meth="repeat">
+      <a:schemeClr val="accent1"/>
+    </dgm:fillClrLst>
+    <dgm:linClrLst meth="repeat">
+      <a:schemeClr val="lt1"/>
+    </dgm:linClrLst>
+    <dgm:effectClrLst/>
+    <dgm:txLinClrLst/>
+    <dgm:txFillClrLst/>
+    <dgm:txEffectClrLst/>
+  </dgm:styleLbl>
+  <dgm:styleLbl name="parChTrans2D1">
+    <dgm:fillClrLst meth="repeat">
+      <a:schemeClr val="accent1">
+        <a:tint val="60000"/>
+      </a:schemeClr>
+    </dgm:fillClrLst>
+    <dgm:linClrLst meth="repeat">
+      <a:schemeClr val="accent1">
+        <a:tint val="60000"/>
+      </a:schemeClr>
+    </dgm:linClrLst>
+    <dgm:effectClrLst/>
+    <dgm:txLinClrLst/>
+    <dgm:txFillClrLst meth="repeat">
+      <a:schemeClr val="lt1"/>
+    </dgm:txFillClrLst>
+    <dgm:txEffectClrLst/>
+  </dgm:styleLbl>
+  <dgm:styleLbl name="parChTrans2D2">
+    <dgm:fillClrLst meth="repeat">
+      <a:schemeClr val="accent1"/>
+    </dgm:fillClrLst>
+    <dgm:linClrLst meth="repeat">
+      <a:schemeClr val="accent1"/>
+    </dgm:linClrLst>
+    <dgm:effectClrLst/>
+    <dgm:txLinClrLst/>
+    <dgm:txFillClrLst meth="repeat">
+      <a:schemeClr val="lt1"/>
+    </dgm:txFillClrLst>
+    <dgm:txEffectClrLst/>
+  </dgm:styleLbl>
+  <dgm:styleLbl name="parChTrans2D3">
+    <dgm:fillClrLst meth="repeat">
+      <a:schemeClr val="accent1"/>
+    </dgm:fillClrLst>
+    <dgm:linClrLst meth="repeat">
+      <a:schemeClr val="accent1"/>
+    </dgm:linClrLst>
+    <dgm:effectClrLst/>
+    <dgm:txLinClrLst/>
+    <dgm:txFillClrLst meth="repeat">
+      <a:schemeClr val="lt1"/>
+    </dgm:txFillClrLst>
+    <dgm:txEffectClrLst/>
+  </dgm:styleLbl>
+  <dgm:styleLbl name="parChTrans2D4">
+    <dgm:fillClrLst meth="repeat">
+      <a:schemeClr val="accent1"/>
+    </dgm:fillClrLst>
+    <dgm:linClrLst meth="repeat">
+      <a:schemeClr val="accent1"/>
+    </dgm:linClrLst>
+    <dgm:effectClrLst/>
+    <dgm:txLinClrLst/>
+    <dgm:txFillClrLst meth="repeat">
+      <a:schemeClr val="lt1"/>
+    </dgm:txFillClrLst>
+    <dgm:txEffectClrLst/>
+  </dgm:styleLbl>
+  <dgm:styleLbl name="parChTrans1D1">
+    <dgm:fillClrLst meth="repeat">
+      <a:schemeClr val="accent1"/>
+    </dgm:fillClrLst>
+    <dgm:linClrLst meth="repeat">
+      <a:schemeClr val="accent1">
+        <a:shade val="60000"/>
+      </a:schemeClr>
+    </dgm:linClrLst>
+    <dgm:effectClrLst/>
+    <dgm:txLinClrLst/>
+    <dgm:txFillClrLst meth="repeat">
+      <a:schemeClr val="tx1"/>
+    </dgm:txFillClrLst>
+    <dgm:txEffectClrLst/>
+  </dgm:styleLbl>
+  <dgm:styleLbl name="parChTrans1D2">
+    <dgm:fillClrLst meth="repeat">
+      <a:schemeClr val="accent1"/>
+    </dgm:fillClrLst>
+    <dgm:linClrLst meth="repeat">
+      <a:schemeClr val="accent1">
+        <a:shade val="60000"/>
+      </a:schemeClr>
+    </dgm:linClrLst>
+    <dgm:effectClrLst/>
+    <dgm:txLinClrLst/>
+    <dgm:txFillClrLst meth="repeat">
+      <a:schemeClr val="tx1"/>
+    </dgm:txFillClrLst>
+    <dgm:txEffectClrLst/>
+  </dgm:styleLbl>
+  <dgm:styleLbl name="parChTrans1D3">
+    <dgm:fillClrLst meth="repeat">
+      <a:schemeClr val="accent1"/>
+    </dgm:fillClrLst>
+    <dgm:linClrLst meth="repeat">
+      <a:schemeClr val="accent1">
+        <a:shade val="80000"/>
+      </a:schemeClr>
+    </dgm:linClrLst>
+    <dgm:effectClrLst/>
+    <dgm:txLinClrLst/>
+    <dgm:txFillClrLst meth="repeat">
+      <a:schemeClr val="tx1"/>
+    </dgm:txFillClrLst>
+    <dgm:txEffectClrLst/>
+  </dgm:styleLbl>
+  <dgm:styleLbl name="parChTrans1D4">
+    <dgm:fillClrLst meth="repeat">
+      <a:schemeClr val="accent1"/>
+    </dgm:fillClrLst>
+    <dgm:linClrLst meth="repeat">
+      <a:schemeClr val="accent1">
+        <a:shade val="80000"/>
+      </a:schemeClr>
+    </dgm:linClrLst>
+    <dgm:effectClrLst/>
+    <dgm:txLinClrLst/>
+    <dgm:txFillClrLst meth="repeat">
+      <a:schemeClr val="tx1"/>
+    </dgm:txFillClrLst>
+    <dgm:txEffectClrLst/>
+  </dgm:styleLbl>
+  <dgm:styleLbl name="fgAcc1">
+    <dgm:fillClrLst meth="repeat">
+      <a:schemeClr val="lt1">
+        <a:alpha val="90000"/>
+      </a:schemeClr>
+    </dgm:fillClrLst>
+    <dgm:linClrLst meth="repeat">
+      <a:schemeClr val="accent1"/>
+    </dgm:linClrLst>
+    <dgm:effectClrLst/>
+    <dgm:txLinClrLst/>
+    <dgm:txFillClrLst meth="repeat">
+      <a:schemeClr val="dk1"/>
+    </dgm:txFillClrLst>
+    <dgm:txEffectClrLst/>
+  </dgm:styleLbl>
+  <dgm:styleLbl name="conFgAcc1">
+    <dgm:fillClrLst meth="repeat">
+      <a:schemeClr val="lt1">
+        <a:alpha val="90000"/>
+      </a:schemeClr>
+    </dgm:fillClrLst>
+    <dgm:linClrLst meth="repeat">
+      <a:schemeClr val="accent1"/>
+    </dgm:linClrLst>
+    <dgm:effectClrLst/>
+    <dgm:txLinClrLst/>
+    <dgm:txFillClrLst meth="repeat">
+      <a:schemeClr val="dk1"/>
+    </dgm:txFillClrLst>
+    <dgm:txEffectClrLst/>
+  </dgm:styleLbl>
+  <dgm:styleLbl name="alignAcc1">
+    <dgm:fillClrLst meth="repeat">
+      <a:schemeClr val="lt1">
+        <a:alpha val="90000"/>
+      </a:schemeClr>
+    </dgm:fillClrLst>
+    <dgm:linClrLst meth="repeat">
+      <a:schemeClr val="accent1"/>
+    </dgm:linClrLst>
+    <dgm:effectClrLst/>
+    <dgm:txLinClrLst/>
+    <dgm:txFillClrLst meth="repeat">
+      <a:schemeClr val="dk1"/>
+    </dgm:txFillClrLst>
+    <dgm:txEffectClrLst/>
+  </dgm:styleLbl>
+  <dgm:styleLbl name="trAlignAcc1">
+    <dgm:fillClrLst meth="repeat">
+      <a:schemeClr val="lt1">
+        <a:alpha val="40000"/>
+      </a:schemeClr>
+    </dgm:fillClrLst>
+    <dgm:linClrLst meth="repeat">
+      <a:schemeClr val="accent1"/>
+    </dgm:linClrLst>
+    <dgm:effectClrLst/>
+    <dgm:txLinClrLst/>
+    <dgm:txFillClrLst meth="repeat">
+      <a:schemeClr val="dk1"/>
+    </dgm:txFillClrLst>
+    <dgm:txEffectClrLst/>
+  </dgm:styleLbl>
+  <dgm:styleLbl name="bgAcc1">
+    <dgm:fillClrLst meth="repeat">
+      <a:schemeClr val="lt1">
+        <a:alpha val="90000"/>
+      </a:schemeClr>
+    </dgm:fillClrLst>
+    <dgm:linClrLst meth="repeat">
+      <a:schemeClr val="accent1"/>
+    </dgm:linClrLst>
+    <dgm:effectClrLst/>
+    <dgm:txLinClrLst/>
+    <dgm:txFillClrLst meth="repeat">
+      <a:schemeClr val="dk1"/>
+    </dgm:txFillClrLst>
+    <dgm:txEffectClrLst/>
+  </dgm:styleLbl>
+  <dgm:styleLbl name="solidFgAcc1">
+    <dgm:fillClrLst meth="repeat">
+      <a:schemeClr val="lt1"/>
+    </dgm:fillClrLst>
+    <dgm:linClrLst meth="repeat">
+      <a:schemeClr val="accent1"/>
+    </dgm:linClrLst>
+    <dgm:effectClrLst/>
+    <dgm:txLinClrLst/>
+    <dgm:txFillClrLst meth="repeat">
+      <a:schemeClr val="dk1"/>
+    </dgm:txFillClrLst>
+    <dgm:txEffectClrLst/>
+  </dgm:styleLbl>
+  <dgm:styleLbl name="solidAlignAcc1">
+    <dgm:fillClrLst meth="repeat">
+      <a:schemeClr val="lt1"/>
+    </dgm:fillClrLst>
+    <dgm:linClrLst meth="repeat">
+      <a:schemeClr val="accent1"/>
+    </dgm:linClrLst>
+    <dgm:effectClrLst/>
+    <dgm:txLinClrLst/>
+    <dgm:txFillClrLst meth="repeat">
+      <a:schemeClr val="dk1"/>
+    </dgm:txFillClrLst>
+    <dgm:txEffectClrLst/>
+  </dgm:styleLbl>
+  <dgm:styleLbl name="solidBgAcc1">
+    <dgm:fillClrLst meth="repeat">
+      <a:schemeClr val="lt1"/>
+    </dgm:fillClrLst>
+    <dgm:linClrLst meth="repeat">
+      <a:schemeClr val="accent1"/>
+    </dgm:linClrLst>
+    <dgm:effectClrLst/>
+    <dgm:txLinClrLst/>
+    <dgm:txFillClrLst meth="repeat">
+      <a:schemeClr val="dk1"/>
+    </dgm:txFillClrLst>
+    <dgm:txEffectClrLst/>
+  </dgm:styleLbl>
+  <dgm:styleLbl name="fgAccFollowNode1">
+    <dgm:fillClrLst meth="repeat">
+      <a:schemeClr val="accent1">
+        <a:alpha val="90000"/>
+        <a:tint val="40000"/>
+      </a:schemeClr>
+    </dgm:fillClrLst>
+    <dgm:linClrLst meth="repeat">
+      <a:schemeClr val="accent1">
+        <a:alpha val="90000"/>
+        <a:tint val="40000"/>
+      </a:schemeClr>
+    </dgm:linClrLst>
+    <dgm:effectClrLst/>
+    <dgm:txLinClrLst/>
+    <dgm:txFillClrLst meth="repeat">
+      <a:schemeClr val="dk1"/>
+    </dgm:txFillClrLst>
+    <dgm:txEffectClrLst/>
+  </dgm:styleLbl>
+  <dgm:styleLbl name="alignAccFollowNode1">
+    <dgm:fillClrLst meth="repeat">
+      <a:schemeClr val="accent1">
+        <a:alpha val="90000"/>
+        <a:tint val="40000"/>
+      </a:schemeClr>
+    </dgm:fillClrLst>
+    <dgm:linClrLst meth="repeat">
+      <a:schemeClr val="accent1">
+        <a:alpha val="90000"/>
+        <a:tint val="40000"/>
+      </a:schemeClr>
+    </dgm:linClrLst>
+    <dgm:effectClrLst/>
+    <dgm:txLinClrLst/>
+    <dgm:txFillClrLst meth="repeat">
+      <a:schemeClr val="dk1"/>
+    </dgm:txFillClrLst>
+    <dgm:txEffectClrLst/>
+  </dgm:styleLbl>
+  <dgm:styleLbl name="bgAccFollowNode1">
+    <dgm:fillClrLst meth="repeat">
+      <a:schemeClr val="accent1">
+        <a:alpha val="90000"/>
+        <a:tint val="40000"/>
+      </a:schemeClr>
+    </dgm:fillClrLst>
+    <dgm:linClrLst meth="repeat">
+      <a:schemeClr val="accent1">
+        <a:alpha val="90000"/>
+        <a:tint val="40000"/>
+      </a:schemeClr>
+    </dgm:linClrLst>
+    <dgm:effectClrLst/>
+    <dgm:txLinClrLst/>
+    <dgm:txFillClrLst meth="repeat">
+      <a:schemeClr val="dk1"/>
+    </dgm:txFillClrLst>
+    <dgm:txEffectClrLst/>
+  </dgm:styleLbl>
+  <dgm:styleLbl name="fgAcc0">
+    <dgm:fillClrLst meth="repeat">
+      <a:schemeClr val="lt1">
+        <a:alpha val="90000"/>
+      </a:schemeClr>
+    </dgm:fillClrLst>
+    <dgm:linClrLst meth="repeat">
+      <a:schemeClr val="accent1"/>
+    </dgm:linClrLst>
+    <dgm:effectClrLst/>
+    <dgm:txLinClrLst/>
+    <dgm:txFillClrLst meth="repeat">
+      <a:schemeClr val="dk1"/>
+    </dgm:txFillClrLst>
+    <dgm:txEffectClrLst/>
+  </dgm:styleLbl>
+  <dgm:styleLbl name="fgAcc2">
+    <dgm:fillClrLst meth="repeat">
+      <a:schemeClr val="lt1">
+        <a:alpha val="90000"/>
+      </a:schemeClr>
+    </dgm:fillClrLst>
+    <dgm:linClrLst meth="repeat">
+      <a:schemeClr val="accent1"/>
+    </dgm:linClrLst>
+    <dgm:effectClrLst/>
+    <dgm:txLinClrLst/>
+    <dgm:txFillClrLst meth="repeat">
+      <a:schemeClr val="dk1"/>
+    </dgm:txFillClrLst>
+    <dgm:txEffectClrLst/>
+  </dgm:styleLbl>
+  <dgm:styleLbl name="fgAcc3">
+    <dgm:fillClrLst meth="repeat">
+      <a:schemeClr val="lt1">
+        <a:alpha val="90000"/>
+      </a:schemeClr>
+    </dgm:fillClrLst>
+    <dgm:linClrLst meth="repeat">
+      <a:schemeClr val="accent1"/>
+    </dgm:linClrLst>
+    <dgm:effectClrLst/>
+    <dgm:txLinClrLst/>
+    <dgm:txFillClrLst meth="repeat">
+      <a:schemeClr val="dk1"/>
+    </dgm:txFillClrLst>
+    <dgm:txEffectClrLst/>
+  </dgm:styleLbl>
+  <dgm:styleLbl name="fgAcc4">
+    <dgm:fillClrLst meth="repeat">
+      <a:schemeClr val="lt1">
+        <a:alpha val="90000"/>
+      </a:schemeClr>
+    </dgm:fillClrLst>
+    <dgm:linClrLst meth="repeat">
+      <a:schemeClr val="accent1"/>
+    </dgm:linClrLst>
+    <dgm:effectClrLst/>
+    <dgm:txLinClrLst/>
+    <dgm:txFillClrLst meth="repeat">
+      <a:schemeClr val="dk1"/>
+    </dgm:txFillClrLst>
+    <dgm:txEffectClrLst/>
+  </dgm:styleLbl>
+  <dgm:styleLbl name="bgShp">
+    <dgm:fillClrLst meth="repeat">
+      <a:schemeClr val="accent1">
+        <a:tint val="40000"/>
+      </a:schemeClr>
+    </dgm:fillClrLst>
+    <dgm:linClrLst meth="repeat">
+      <a:schemeClr val="accent1"/>
+    </dgm:linClrLst>
+    <dgm:effectClrLst/>
+    <dgm:txLinClrLst/>
+    <dgm:txFillClrLst meth="repeat">
+      <a:schemeClr val="dk1"/>
+    </dgm:txFillClrLst>
+    <dgm:txEffectClrLst/>
+  </dgm:styleLbl>
+  <dgm:styleLbl name="dkBgShp">
+    <dgm:fillClrLst meth="repeat">
+      <a:schemeClr val="accent1">
+        <a:shade val="80000"/>
+      </a:schemeClr>
+    </dgm:fillClrLst>
+    <dgm:linClrLst meth="repeat">
+      <a:schemeClr val="accent1"/>
+    </dgm:linClrLst>
+    <dgm:effectClrLst/>
+    <dgm:txLinClrLst/>
+    <dgm:txFillClrLst meth="repeat">
+      <a:schemeClr val="lt1"/>
+    </dgm:txFillClrLst>
+    <dgm:txEffectClrLst/>
+  </dgm:styleLbl>
+  <dgm:styleLbl name="trBgShp">
+    <dgm:fillClrLst meth="repeat">
+      <a:schemeClr val="accent1">
+        <a:tint val="50000"/>
+        <a:alpha val="40000"/>
+      </a:schemeClr>
+    </dgm:fillClrLst>
+    <dgm:linClrLst meth="repeat">
+      <a:schemeClr val="accent1"/>
+    </dgm:linClrLst>
+    <dgm:effectClrLst/>
+    <dgm:txLinClrLst/>
+    <dgm:txFillClrLst meth="repeat">
+      <a:schemeClr val="lt1"/>
+    </dgm:txFillClrLst>
+    <dgm:txEffectClrLst/>
+  </dgm:styleLbl>
+  <dgm:styleLbl name="fgShp">
+    <dgm:fillClrLst meth="repeat">
+      <a:schemeClr val="accent1">
+        <a:tint val="60000"/>
+      </a:schemeClr>
+    </dgm:fillClrLst>
+    <dgm:linClrLst meth="repeat">
+      <a:schemeClr val="lt1"/>
+    </dgm:linClrLst>
+    <dgm:effectClrLst/>
+    <dgm:txLinClrLst/>
+    <dgm:txFillClrLst meth="repeat">
+      <a:schemeClr val="dk1"/>
+    </dgm:txFillClrLst>
+    <dgm:txEffectClrLst/>
+  </dgm:styleLbl>
+  <dgm:styleLbl name="revTx">
+    <dgm:fillClrLst meth="repeat">
+      <a:schemeClr val="lt1">
+        <a:alpha val="0"/>
+      </a:schemeClr>
+    </dgm:fillClrLst>
+    <dgm:linClrLst meth="repeat">
+      <a:schemeClr val="dk1">
+        <a:alpha val="0"/>
+      </a:schemeClr>
+    </dgm:linClrLst>
+    <dgm:effectClrLst/>
+    <dgm:txLinClrLst/>
+    <dgm:txFillClrLst meth="repeat">
+      <a:schemeClr val="tx1"/>
+    </dgm:txFillClrLst>
+    <dgm:txEffectClrLst/>
+  </dgm:styleLbl>
+</dgm:colorsDef>
+</file>
+
+<file path=ppt/diagrams/data1.xml><?xml version="1.0" encoding="utf-8"?>
+<dgm:dataModel xmlns:dgm="http://schemas.openxmlformats.org/drawingml/2006/diagram" xmlns:a="http://schemas.openxmlformats.org/drawingml/2006/main">
+  <dgm:ptLst>
+    <dgm:pt modelId="{90323D19-FCD0-45AB-97CD-42586934C75C}" type="doc">
+      <dgm:prSet loTypeId="urn:microsoft.com/office/officeart/2005/8/layout/hierarchy4" loCatId="list" qsTypeId="urn:microsoft.com/office/officeart/2005/8/quickstyle/simple1" qsCatId="simple" csTypeId="urn:microsoft.com/office/officeart/2005/8/colors/accent1_2" csCatId="accent1" phldr="1"/>
+      <dgm:spPr/>
+      <dgm:t>
+        <a:bodyPr/>
+        <a:lstStyle/>
+        <a:p>
+          <a:endParaRPr lang="ru-KZ"/>
+        </a:p>
+      </dgm:t>
+    </dgm:pt>
+    <dgm:pt modelId="{28160A76-5A44-4C08-98A0-4916E5E1759E}">
+      <dgm:prSet phldrT="[Текст]"/>
+      <dgm:spPr/>
+      <dgm:t>
+        <a:bodyPr/>
+        <a:lstStyle/>
+        <a:p>
+          <a:r>
+            <a:rPr lang="en-US" dirty="0"/>
+            <a:t>App</a:t>
+          </a:r>
+          <a:endParaRPr lang="ru-KZ" dirty="0"/>
+        </a:p>
+      </dgm:t>
+    </dgm:pt>
+    <dgm:pt modelId="{CB04FDC8-F710-4CD3-B5E2-E5242E6683CF}" type="parTrans" cxnId="{D661EB0E-1529-45FD-A3FD-5BBD33DF2A93}">
+      <dgm:prSet/>
+      <dgm:spPr/>
+      <dgm:t>
+        <a:bodyPr/>
+        <a:lstStyle/>
+        <a:p>
+          <a:endParaRPr lang="ru-KZ"/>
+        </a:p>
+      </dgm:t>
+    </dgm:pt>
+    <dgm:pt modelId="{BC2829C4-6573-45C2-A632-F57681AC9C69}" type="sibTrans" cxnId="{D661EB0E-1529-45FD-A3FD-5BBD33DF2A93}">
+      <dgm:prSet/>
+      <dgm:spPr/>
+      <dgm:t>
+        <a:bodyPr/>
+        <a:lstStyle/>
+        <a:p>
+          <a:endParaRPr lang="ru-KZ"/>
+        </a:p>
+      </dgm:t>
+    </dgm:pt>
+    <dgm:pt modelId="{4C3A0F54-F357-486F-8109-C813F9A13A6D}">
+      <dgm:prSet phldrT="[Текст]"/>
+      <dgm:spPr/>
+      <dgm:t>
+        <a:bodyPr/>
+        <a:lstStyle/>
+        <a:p>
+          <a:r>
+            <a:rPr lang="en-US" dirty="0"/>
+            <a:t>Authorize</a:t>
+          </a:r>
+          <a:endParaRPr lang="ru-KZ" dirty="0"/>
+        </a:p>
+      </dgm:t>
+    </dgm:pt>
+    <dgm:pt modelId="{8FFD2CB2-FE5A-4A00-B029-56F98276A904}" type="parTrans" cxnId="{E6ED391B-6746-41EC-ADD3-5BF004A842F4}">
+      <dgm:prSet/>
+      <dgm:spPr/>
+      <dgm:t>
+        <a:bodyPr/>
+        <a:lstStyle/>
+        <a:p>
+          <a:endParaRPr lang="ru-KZ"/>
+        </a:p>
+      </dgm:t>
+    </dgm:pt>
+    <dgm:pt modelId="{FE8FF446-F85E-4610-80F9-939D6017F31C}" type="sibTrans" cxnId="{E6ED391B-6746-41EC-ADD3-5BF004A842F4}">
+      <dgm:prSet/>
+      <dgm:spPr/>
+      <dgm:t>
+        <a:bodyPr/>
+        <a:lstStyle/>
+        <a:p>
+          <a:endParaRPr lang="ru-KZ"/>
+        </a:p>
+      </dgm:t>
+    </dgm:pt>
+    <dgm:pt modelId="{407825E2-42E7-4146-95DB-E1C408B645A4}">
+      <dgm:prSet phldrT="[Текст]"/>
+      <dgm:spPr/>
+      <dgm:t>
+        <a:bodyPr/>
+        <a:lstStyle/>
+        <a:p>
+          <a:r>
+            <a:rPr lang="en-US" dirty="0" err="1"/>
+            <a:t>FixedHeader</a:t>
+          </a:r>
+          <a:endParaRPr lang="ru-KZ" dirty="0"/>
+        </a:p>
+      </dgm:t>
+    </dgm:pt>
+    <dgm:pt modelId="{773A1233-C29A-4EFB-9AF6-69C72F37382D}" type="parTrans" cxnId="{4A1CAB76-37FE-4446-8195-173F174F4F43}">
+      <dgm:prSet/>
+      <dgm:spPr/>
+      <dgm:t>
+        <a:bodyPr/>
+        <a:lstStyle/>
+        <a:p>
+          <a:endParaRPr lang="ru-KZ"/>
+        </a:p>
+      </dgm:t>
+    </dgm:pt>
+    <dgm:pt modelId="{EF0D28D2-298C-4854-9642-053D31F1529D}" type="sibTrans" cxnId="{4A1CAB76-37FE-4446-8195-173F174F4F43}">
+      <dgm:prSet/>
+      <dgm:spPr/>
+      <dgm:t>
+        <a:bodyPr/>
+        <a:lstStyle/>
+        <a:p>
+          <a:endParaRPr lang="ru-KZ"/>
+        </a:p>
+      </dgm:t>
+    </dgm:pt>
+    <dgm:pt modelId="{60D8033E-DA38-4CCF-A205-054A96C4A510}">
+      <dgm:prSet phldrT="[Текст]"/>
+      <dgm:spPr/>
+      <dgm:t>
+        <a:bodyPr/>
+        <a:lstStyle/>
+        <a:p>
+          <a:r>
+            <a:rPr lang="en-US" dirty="0"/>
+            <a:t>Login</a:t>
+          </a:r>
+          <a:endParaRPr lang="ru-KZ" dirty="0"/>
+        </a:p>
+      </dgm:t>
+    </dgm:pt>
+    <dgm:pt modelId="{FC5CA7DC-D475-4407-BE1C-F50295FB4DC9}" type="parTrans" cxnId="{147010D3-2506-46CB-8FFF-367F5D5405A0}">
+      <dgm:prSet/>
+      <dgm:spPr/>
+      <dgm:t>
+        <a:bodyPr/>
+        <a:lstStyle/>
+        <a:p>
+          <a:endParaRPr lang="ru-KZ"/>
+        </a:p>
+      </dgm:t>
+    </dgm:pt>
+    <dgm:pt modelId="{F1631D3B-F81B-4F8B-9529-22F8616120AF}" type="sibTrans" cxnId="{147010D3-2506-46CB-8FFF-367F5D5405A0}">
+      <dgm:prSet/>
+      <dgm:spPr/>
+      <dgm:t>
+        <a:bodyPr/>
+        <a:lstStyle/>
+        <a:p>
+          <a:endParaRPr lang="ru-KZ"/>
+        </a:p>
+      </dgm:t>
+    </dgm:pt>
+    <dgm:pt modelId="{5606D89E-8552-4915-BE05-9C714E05FD3E}">
+      <dgm:prSet phldrT="[Текст]"/>
+      <dgm:spPr/>
+      <dgm:t>
+        <a:bodyPr/>
+        <a:lstStyle/>
+        <a:p>
+          <a:r>
+            <a:rPr lang="en-US" dirty="0"/>
+            <a:t>Main</a:t>
+          </a:r>
+          <a:endParaRPr lang="ru-KZ" dirty="0"/>
+        </a:p>
+      </dgm:t>
+    </dgm:pt>
+    <dgm:pt modelId="{8A70844E-8E30-4B4E-93AE-A3AC71E41952}" type="parTrans" cxnId="{AA3F1507-C555-4F9F-93D0-90D0BBA0213E}">
+      <dgm:prSet/>
+      <dgm:spPr/>
+      <dgm:t>
+        <a:bodyPr/>
+        <a:lstStyle/>
+        <a:p>
+          <a:endParaRPr lang="ru-KZ"/>
+        </a:p>
+      </dgm:t>
+    </dgm:pt>
+    <dgm:pt modelId="{0B9CCDA0-9E14-4D82-B1FF-0B7DD0826F2F}" type="sibTrans" cxnId="{AA3F1507-C555-4F9F-93D0-90D0BBA0213E}">
+      <dgm:prSet/>
+      <dgm:spPr/>
+      <dgm:t>
+        <a:bodyPr/>
+        <a:lstStyle/>
+        <a:p>
+          <a:endParaRPr lang="ru-KZ"/>
+        </a:p>
+      </dgm:t>
+    </dgm:pt>
+    <dgm:pt modelId="{909E94DB-8106-4CBF-9F0C-7967B4B02184}">
+      <dgm:prSet phldrT="[Текст]"/>
+      <dgm:spPr/>
+      <dgm:t>
+        <a:bodyPr/>
+        <a:lstStyle/>
+        <a:p>
+          <a:r>
+            <a:rPr lang="en-US"/>
+            <a:t>forgot-password</a:t>
+          </a:r>
+          <a:endParaRPr lang="ru-KZ" dirty="0"/>
+        </a:p>
+      </dgm:t>
+    </dgm:pt>
+    <dgm:pt modelId="{DF4A079F-DB9C-48CF-ACEB-FAB274E53522}" type="parTrans" cxnId="{65E937BA-26CD-43AA-A944-416B9C9B53EE}">
+      <dgm:prSet/>
+      <dgm:spPr/>
+      <dgm:t>
+        <a:bodyPr/>
+        <a:lstStyle/>
+        <a:p>
+          <a:endParaRPr lang="ru-KZ"/>
+        </a:p>
+      </dgm:t>
+    </dgm:pt>
+    <dgm:pt modelId="{EEC27D03-D350-4D1C-A0EA-8979DD3621BA}" type="sibTrans" cxnId="{65E937BA-26CD-43AA-A944-416B9C9B53EE}">
+      <dgm:prSet/>
+      <dgm:spPr/>
+      <dgm:t>
+        <a:bodyPr/>
+        <a:lstStyle/>
+        <a:p>
+          <a:endParaRPr lang="ru-KZ"/>
+        </a:p>
+      </dgm:t>
+    </dgm:pt>
+    <dgm:pt modelId="{21FAD48C-0102-4FBF-8332-BFC51997EBF6}">
+      <dgm:prSet phldrT="[Текст]"/>
+      <dgm:spPr/>
+      <dgm:t>
+        <a:bodyPr/>
+        <a:lstStyle/>
+        <a:p>
+          <a:r>
+            <a:rPr lang="en-US"/>
+            <a:t>FixedHeader</a:t>
+          </a:r>
+          <a:endParaRPr lang="ru-KZ" dirty="0"/>
+        </a:p>
+      </dgm:t>
+    </dgm:pt>
+    <dgm:pt modelId="{DC6D2FE8-5AFF-4E14-A38E-1ADFA69A7BEC}" type="parTrans" cxnId="{5D546938-61DC-40DD-ABBB-75BF19CC0F44}">
+      <dgm:prSet/>
+      <dgm:spPr/>
+      <dgm:t>
+        <a:bodyPr/>
+        <a:lstStyle/>
+        <a:p>
+          <a:endParaRPr lang="ru-KZ"/>
+        </a:p>
+      </dgm:t>
+    </dgm:pt>
+    <dgm:pt modelId="{3AE28813-CFCD-4823-A32F-F9F1D841C9D6}" type="sibTrans" cxnId="{5D546938-61DC-40DD-ABBB-75BF19CC0F44}">
+      <dgm:prSet/>
+      <dgm:spPr/>
+      <dgm:t>
+        <a:bodyPr/>
+        <a:lstStyle/>
+        <a:p>
+          <a:endParaRPr lang="ru-KZ"/>
+        </a:p>
+      </dgm:t>
+    </dgm:pt>
+    <dgm:pt modelId="{5A7C261B-3D42-4019-9465-3C7B208CB1C2}">
+      <dgm:prSet phldrT="[Текст]"/>
+      <dgm:spPr/>
+      <dgm:t>
+        <a:bodyPr/>
+        <a:lstStyle/>
+        <a:p>
+          <a:r>
+            <a:rPr lang="en-US" dirty="0" err="1"/>
+            <a:t>IdeaList</a:t>
+          </a:r>
+          <a:endParaRPr lang="ru-KZ" dirty="0"/>
+        </a:p>
+      </dgm:t>
+    </dgm:pt>
+    <dgm:pt modelId="{95C3A6A6-10DA-48ED-9740-3E0F604DE9DE}" type="parTrans" cxnId="{6274EDED-D0C2-4115-8503-A588F8E80978}">
+      <dgm:prSet/>
+      <dgm:spPr/>
+      <dgm:t>
+        <a:bodyPr/>
+        <a:lstStyle/>
+        <a:p>
+          <a:endParaRPr lang="ru-KZ"/>
+        </a:p>
+      </dgm:t>
+    </dgm:pt>
+    <dgm:pt modelId="{AB6FA89C-F37C-4F7A-A897-6D1448A068E5}" type="sibTrans" cxnId="{6274EDED-D0C2-4115-8503-A588F8E80978}">
+      <dgm:prSet/>
+      <dgm:spPr/>
+      <dgm:t>
+        <a:bodyPr/>
+        <a:lstStyle/>
+        <a:p>
+          <a:endParaRPr lang="ru-KZ"/>
+        </a:p>
+      </dgm:t>
+    </dgm:pt>
+    <dgm:pt modelId="{999E2FFB-9F7F-429E-B90D-2562D7B4E888}">
+      <dgm:prSet phldrT="[Текст]"/>
+      <dgm:spPr/>
+      <dgm:t>
+        <a:bodyPr/>
+        <a:lstStyle/>
+        <a:p>
+          <a:r>
+            <a:rPr lang="en-US"/>
+            <a:t>IdeaDetailed</a:t>
+          </a:r>
+          <a:endParaRPr lang="ru-KZ" dirty="0"/>
+        </a:p>
+      </dgm:t>
+    </dgm:pt>
+    <dgm:pt modelId="{A10E8847-BFD9-418A-B12A-45CF0FF3EA0D}" type="parTrans" cxnId="{CD681B8D-B013-4DF6-90F2-59FE95D4D73F}">
+      <dgm:prSet/>
+      <dgm:spPr/>
+      <dgm:t>
+        <a:bodyPr/>
+        <a:lstStyle/>
+        <a:p>
+          <a:endParaRPr lang="ru-KZ"/>
+        </a:p>
+      </dgm:t>
+    </dgm:pt>
+    <dgm:pt modelId="{B5376397-290C-41C8-8038-D63CA31FB6DA}" type="sibTrans" cxnId="{CD681B8D-B013-4DF6-90F2-59FE95D4D73F}">
+      <dgm:prSet/>
+      <dgm:spPr/>
+      <dgm:t>
+        <a:bodyPr/>
+        <a:lstStyle/>
+        <a:p>
+          <a:endParaRPr lang="ru-KZ"/>
+        </a:p>
+      </dgm:t>
+    </dgm:pt>
+    <dgm:pt modelId="{D3A41E72-A502-4190-AF5B-23D9A09DA03C}" type="pres">
+      <dgm:prSet presAssocID="{90323D19-FCD0-45AB-97CD-42586934C75C}" presName="Name0" presStyleCnt="0">
+        <dgm:presLayoutVars>
+          <dgm:chPref val="1"/>
+          <dgm:dir/>
+          <dgm:animOne val="branch"/>
+          <dgm:animLvl val="lvl"/>
+          <dgm:resizeHandles/>
+        </dgm:presLayoutVars>
+      </dgm:prSet>
+      <dgm:spPr/>
+    </dgm:pt>
+    <dgm:pt modelId="{1CBA73C9-C85E-4AA2-B78A-DBD3488D7C04}" type="pres">
+      <dgm:prSet presAssocID="{28160A76-5A44-4C08-98A0-4916E5E1759E}" presName="vertOne" presStyleCnt="0"/>
+      <dgm:spPr/>
+    </dgm:pt>
+    <dgm:pt modelId="{B8F09D40-FDE2-4322-A87D-7670D7B2EEC4}" type="pres">
+      <dgm:prSet presAssocID="{28160A76-5A44-4C08-98A0-4916E5E1759E}" presName="txOne" presStyleLbl="node0" presStyleIdx="0" presStyleCnt="1">
+        <dgm:presLayoutVars>
+          <dgm:chPref val="3"/>
+        </dgm:presLayoutVars>
+      </dgm:prSet>
+      <dgm:spPr/>
+    </dgm:pt>
+    <dgm:pt modelId="{2762F3A8-480B-4711-8BD9-A3C1EB021857}" type="pres">
+      <dgm:prSet presAssocID="{28160A76-5A44-4C08-98A0-4916E5E1759E}" presName="parTransOne" presStyleCnt="0"/>
+      <dgm:spPr/>
+    </dgm:pt>
+    <dgm:pt modelId="{DCF20739-008D-4B44-85A2-8070BFA42A93}" type="pres">
+      <dgm:prSet presAssocID="{28160A76-5A44-4C08-98A0-4916E5E1759E}" presName="horzOne" presStyleCnt="0"/>
+      <dgm:spPr/>
+    </dgm:pt>
+    <dgm:pt modelId="{9763FAA6-77AE-409B-9F49-7CF02AF046EB}" type="pres">
+      <dgm:prSet presAssocID="{4C3A0F54-F357-486F-8109-C813F9A13A6D}" presName="vertTwo" presStyleCnt="0"/>
+      <dgm:spPr/>
+    </dgm:pt>
+    <dgm:pt modelId="{85133FDB-52C6-4099-8076-15B4DDE28E28}" type="pres">
+      <dgm:prSet presAssocID="{4C3A0F54-F357-486F-8109-C813F9A13A6D}" presName="txTwo" presStyleLbl="node2" presStyleIdx="0" presStyleCnt="2">
+        <dgm:presLayoutVars>
+          <dgm:chPref val="3"/>
+        </dgm:presLayoutVars>
+      </dgm:prSet>
+      <dgm:spPr/>
+    </dgm:pt>
+    <dgm:pt modelId="{D35975D1-197C-458E-ABF9-BF7AED302AB5}" type="pres">
+      <dgm:prSet presAssocID="{4C3A0F54-F357-486F-8109-C813F9A13A6D}" presName="parTransTwo" presStyleCnt="0"/>
+      <dgm:spPr/>
+    </dgm:pt>
+    <dgm:pt modelId="{BA1311C9-72FB-45D7-8B8C-C8EA0C946981}" type="pres">
+      <dgm:prSet presAssocID="{4C3A0F54-F357-486F-8109-C813F9A13A6D}" presName="horzTwo" presStyleCnt="0"/>
+      <dgm:spPr/>
+    </dgm:pt>
+    <dgm:pt modelId="{60E2E32A-33CE-46AB-A648-453E41F07D45}" type="pres">
+      <dgm:prSet presAssocID="{407825E2-42E7-4146-95DB-E1C408B645A4}" presName="vertThree" presStyleCnt="0"/>
+      <dgm:spPr/>
+    </dgm:pt>
+    <dgm:pt modelId="{B0544DAB-8EE2-4267-B7B0-6BD3546A7E07}" type="pres">
+      <dgm:prSet presAssocID="{407825E2-42E7-4146-95DB-E1C408B645A4}" presName="txThree" presStyleLbl="node3" presStyleIdx="0" presStyleCnt="6">
+        <dgm:presLayoutVars>
+          <dgm:chPref val="3"/>
+        </dgm:presLayoutVars>
+      </dgm:prSet>
+      <dgm:spPr/>
+    </dgm:pt>
+    <dgm:pt modelId="{FFA43671-FDAD-4330-BF21-0CF420DB12C9}" type="pres">
+      <dgm:prSet presAssocID="{407825E2-42E7-4146-95DB-E1C408B645A4}" presName="horzThree" presStyleCnt="0"/>
+      <dgm:spPr/>
+    </dgm:pt>
+    <dgm:pt modelId="{B8F4012F-43E6-4616-863B-72A2A4413E33}" type="pres">
+      <dgm:prSet presAssocID="{EF0D28D2-298C-4854-9642-053D31F1529D}" presName="sibSpaceThree" presStyleCnt="0"/>
+      <dgm:spPr/>
+    </dgm:pt>
+    <dgm:pt modelId="{EB8EA0CE-A40E-4AAB-B0FD-5607E0D65B88}" type="pres">
+      <dgm:prSet presAssocID="{60D8033E-DA38-4CCF-A205-054A96C4A510}" presName="vertThree" presStyleCnt="0"/>
+      <dgm:spPr/>
+    </dgm:pt>
+    <dgm:pt modelId="{523FD0A0-F5C3-46BB-8F88-984BF6371FF8}" type="pres">
+      <dgm:prSet presAssocID="{60D8033E-DA38-4CCF-A205-054A96C4A510}" presName="txThree" presStyleLbl="node3" presStyleIdx="1" presStyleCnt="6">
+        <dgm:presLayoutVars>
+          <dgm:chPref val="3"/>
+        </dgm:presLayoutVars>
+      </dgm:prSet>
+      <dgm:spPr/>
+    </dgm:pt>
+    <dgm:pt modelId="{D2063CF5-0EF0-4324-A63A-D484A23FFAE9}" type="pres">
+      <dgm:prSet presAssocID="{60D8033E-DA38-4CCF-A205-054A96C4A510}" presName="horzThree" presStyleCnt="0"/>
+      <dgm:spPr/>
+    </dgm:pt>
+    <dgm:pt modelId="{03B393C2-3C24-49CC-BD4E-89FFE20B0F9C}" type="pres">
+      <dgm:prSet presAssocID="{F1631D3B-F81B-4F8B-9529-22F8616120AF}" presName="sibSpaceThree" presStyleCnt="0"/>
+      <dgm:spPr/>
+    </dgm:pt>
+    <dgm:pt modelId="{E601867A-BFB7-458A-8772-76C7ADE364F7}" type="pres">
+      <dgm:prSet presAssocID="{909E94DB-8106-4CBF-9F0C-7967B4B02184}" presName="vertThree" presStyleCnt="0"/>
+      <dgm:spPr/>
+    </dgm:pt>
+    <dgm:pt modelId="{C2991E0E-4DB2-4954-9FB4-A7197BE7744D}" type="pres">
+      <dgm:prSet presAssocID="{909E94DB-8106-4CBF-9F0C-7967B4B02184}" presName="txThree" presStyleLbl="node3" presStyleIdx="2" presStyleCnt="6">
+        <dgm:presLayoutVars>
+          <dgm:chPref val="3"/>
+        </dgm:presLayoutVars>
+      </dgm:prSet>
+      <dgm:spPr/>
+    </dgm:pt>
+    <dgm:pt modelId="{85EAAC60-0955-4079-8EB1-DCBBDB83B222}" type="pres">
+      <dgm:prSet presAssocID="{909E94DB-8106-4CBF-9F0C-7967B4B02184}" presName="horzThree" presStyleCnt="0"/>
+      <dgm:spPr/>
+    </dgm:pt>
+    <dgm:pt modelId="{45893886-E49F-4149-822A-739D46C26BB3}" type="pres">
+      <dgm:prSet presAssocID="{FE8FF446-F85E-4610-80F9-939D6017F31C}" presName="sibSpaceTwo" presStyleCnt="0"/>
+      <dgm:spPr/>
+    </dgm:pt>
+    <dgm:pt modelId="{D3EDB921-CBD0-4A55-A874-CC39087AADE8}" type="pres">
+      <dgm:prSet presAssocID="{5606D89E-8552-4915-BE05-9C714E05FD3E}" presName="vertTwo" presStyleCnt="0"/>
+      <dgm:spPr/>
+    </dgm:pt>
+    <dgm:pt modelId="{AAE531AC-9599-4E7E-A5CB-69E7B09EB10A}" type="pres">
+      <dgm:prSet presAssocID="{5606D89E-8552-4915-BE05-9C714E05FD3E}" presName="txTwo" presStyleLbl="node2" presStyleIdx="1" presStyleCnt="2">
+        <dgm:presLayoutVars>
+          <dgm:chPref val="3"/>
+        </dgm:presLayoutVars>
+      </dgm:prSet>
+      <dgm:spPr/>
+    </dgm:pt>
+    <dgm:pt modelId="{A839BBE9-ADB2-4771-9CB9-9C4525CC8AD7}" type="pres">
+      <dgm:prSet presAssocID="{5606D89E-8552-4915-BE05-9C714E05FD3E}" presName="parTransTwo" presStyleCnt="0"/>
+      <dgm:spPr/>
+    </dgm:pt>
+    <dgm:pt modelId="{C78214DB-29A9-4375-9497-0F0DE9F1F67C}" type="pres">
+      <dgm:prSet presAssocID="{5606D89E-8552-4915-BE05-9C714E05FD3E}" presName="horzTwo" presStyleCnt="0"/>
+      <dgm:spPr/>
+    </dgm:pt>
+    <dgm:pt modelId="{266455AC-67CF-4B2D-83AA-B91CFFD0A2AA}" type="pres">
+      <dgm:prSet presAssocID="{21FAD48C-0102-4FBF-8332-BFC51997EBF6}" presName="vertThree" presStyleCnt="0"/>
+      <dgm:spPr/>
+    </dgm:pt>
+    <dgm:pt modelId="{86D57841-305B-4066-824D-12CB3FAAC2C0}" type="pres">
+      <dgm:prSet presAssocID="{21FAD48C-0102-4FBF-8332-BFC51997EBF6}" presName="txThree" presStyleLbl="node3" presStyleIdx="3" presStyleCnt="6">
+        <dgm:presLayoutVars>
+          <dgm:chPref val="3"/>
+        </dgm:presLayoutVars>
+      </dgm:prSet>
+      <dgm:spPr/>
+    </dgm:pt>
+    <dgm:pt modelId="{F0045A07-ED81-40AF-ACDD-EEDECA029B91}" type="pres">
+      <dgm:prSet presAssocID="{21FAD48C-0102-4FBF-8332-BFC51997EBF6}" presName="horzThree" presStyleCnt="0"/>
+      <dgm:spPr/>
+    </dgm:pt>
+    <dgm:pt modelId="{3FCC1254-13C4-462F-B4E5-EDF6E005849B}" type="pres">
+      <dgm:prSet presAssocID="{3AE28813-CFCD-4823-A32F-F9F1D841C9D6}" presName="sibSpaceThree" presStyleCnt="0"/>
+      <dgm:spPr/>
+    </dgm:pt>
+    <dgm:pt modelId="{34B7347B-CA97-4A9E-A4C0-6A12DC886E91}" type="pres">
+      <dgm:prSet presAssocID="{5A7C261B-3D42-4019-9465-3C7B208CB1C2}" presName="vertThree" presStyleCnt="0"/>
+      <dgm:spPr/>
+    </dgm:pt>
+    <dgm:pt modelId="{6D44BCBE-15D2-4179-982E-31BB1146BDF1}" type="pres">
+      <dgm:prSet presAssocID="{5A7C261B-3D42-4019-9465-3C7B208CB1C2}" presName="txThree" presStyleLbl="node3" presStyleIdx="4" presStyleCnt="6">
+        <dgm:presLayoutVars>
+          <dgm:chPref val="3"/>
+        </dgm:presLayoutVars>
+      </dgm:prSet>
+      <dgm:spPr/>
+    </dgm:pt>
+    <dgm:pt modelId="{A37E7C0A-F9F7-42C4-B2D2-F798213AA992}" type="pres">
+      <dgm:prSet presAssocID="{5A7C261B-3D42-4019-9465-3C7B208CB1C2}" presName="horzThree" presStyleCnt="0"/>
+      <dgm:spPr/>
+    </dgm:pt>
+    <dgm:pt modelId="{E11398EA-F141-4D85-AFCF-489622FF1002}" type="pres">
+      <dgm:prSet presAssocID="{AB6FA89C-F37C-4F7A-A897-6D1448A068E5}" presName="sibSpaceThree" presStyleCnt="0"/>
+      <dgm:spPr/>
+    </dgm:pt>
+    <dgm:pt modelId="{2ACF1D3F-2015-4090-B792-AA9318A86C03}" type="pres">
+      <dgm:prSet presAssocID="{999E2FFB-9F7F-429E-B90D-2562D7B4E888}" presName="vertThree" presStyleCnt="0"/>
+      <dgm:spPr/>
+    </dgm:pt>
+    <dgm:pt modelId="{889E62C5-B6AE-4C3E-BFAF-147AC79FC512}" type="pres">
+      <dgm:prSet presAssocID="{999E2FFB-9F7F-429E-B90D-2562D7B4E888}" presName="txThree" presStyleLbl="node3" presStyleIdx="5" presStyleCnt="6">
+        <dgm:presLayoutVars>
+          <dgm:chPref val="3"/>
+        </dgm:presLayoutVars>
+      </dgm:prSet>
+      <dgm:spPr/>
+    </dgm:pt>
+    <dgm:pt modelId="{C07C326F-720A-4F65-A44F-24FBB05398D5}" type="pres">
+      <dgm:prSet presAssocID="{999E2FFB-9F7F-429E-B90D-2562D7B4E888}" presName="horzThree" presStyleCnt="0"/>
+      <dgm:spPr/>
+    </dgm:pt>
+  </dgm:ptLst>
+  <dgm:cxnLst>
+    <dgm:cxn modelId="{AA3F1507-C555-4F9F-93D0-90D0BBA0213E}" srcId="{28160A76-5A44-4C08-98A0-4916E5E1759E}" destId="{5606D89E-8552-4915-BE05-9C714E05FD3E}" srcOrd="1" destOrd="0" parTransId="{8A70844E-8E30-4B4E-93AE-A3AC71E41952}" sibTransId="{0B9CCDA0-9E14-4D82-B1FF-0B7DD0826F2F}"/>
+    <dgm:cxn modelId="{D661EB0E-1529-45FD-A3FD-5BBD33DF2A93}" srcId="{90323D19-FCD0-45AB-97CD-42586934C75C}" destId="{28160A76-5A44-4C08-98A0-4916E5E1759E}" srcOrd="0" destOrd="0" parTransId="{CB04FDC8-F710-4CD3-B5E2-E5242E6683CF}" sibTransId="{BC2829C4-6573-45C2-A632-F57681AC9C69}"/>
+    <dgm:cxn modelId="{E6ED391B-6746-41EC-ADD3-5BF004A842F4}" srcId="{28160A76-5A44-4C08-98A0-4916E5E1759E}" destId="{4C3A0F54-F357-486F-8109-C813F9A13A6D}" srcOrd="0" destOrd="0" parTransId="{8FFD2CB2-FE5A-4A00-B029-56F98276A904}" sibTransId="{FE8FF446-F85E-4610-80F9-939D6017F31C}"/>
+    <dgm:cxn modelId="{A6D9941F-56FD-4FBA-A8DC-B8A00DE5636E}" type="presOf" srcId="{21FAD48C-0102-4FBF-8332-BFC51997EBF6}" destId="{86D57841-305B-4066-824D-12CB3FAAC2C0}" srcOrd="0" destOrd="0" presId="urn:microsoft.com/office/officeart/2005/8/layout/hierarchy4"/>
+    <dgm:cxn modelId="{94A01728-852E-437A-8B2A-135220CB78EF}" type="presOf" srcId="{60D8033E-DA38-4CCF-A205-054A96C4A510}" destId="{523FD0A0-F5C3-46BB-8F88-984BF6371FF8}" srcOrd="0" destOrd="0" presId="urn:microsoft.com/office/officeart/2005/8/layout/hierarchy4"/>
+    <dgm:cxn modelId="{5D546938-61DC-40DD-ABBB-75BF19CC0F44}" srcId="{5606D89E-8552-4915-BE05-9C714E05FD3E}" destId="{21FAD48C-0102-4FBF-8332-BFC51997EBF6}" srcOrd="0" destOrd="0" parTransId="{DC6D2FE8-5AFF-4E14-A38E-1ADFA69A7BEC}" sibTransId="{3AE28813-CFCD-4823-A32F-F9F1D841C9D6}"/>
+    <dgm:cxn modelId="{5ACCBD6F-F011-4E96-87DD-B9CA874CCD9B}" type="presOf" srcId="{407825E2-42E7-4146-95DB-E1C408B645A4}" destId="{B0544DAB-8EE2-4267-B7B0-6BD3546A7E07}" srcOrd="0" destOrd="0" presId="urn:microsoft.com/office/officeart/2005/8/layout/hierarchy4"/>
+    <dgm:cxn modelId="{528AA653-9AA0-43BD-ADD3-AA1BC8D83252}" type="presOf" srcId="{90323D19-FCD0-45AB-97CD-42586934C75C}" destId="{D3A41E72-A502-4190-AF5B-23D9A09DA03C}" srcOrd="0" destOrd="0" presId="urn:microsoft.com/office/officeart/2005/8/layout/hierarchy4"/>
+    <dgm:cxn modelId="{4A1CAB76-37FE-4446-8195-173F174F4F43}" srcId="{4C3A0F54-F357-486F-8109-C813F9A13A6D}" destId="{407825E2-42E7-4146-95DB-E1C408B645A4}" srcOrd="0" destOrd="0" parTransId="{773A1233-C29A-4EFB-9AF6-69C72F37382D}" sibTransId="{EF0D28D2-298C-4854-9642-053D31F1529D}"/>
+    <dgm:cxn modelId="{E96AE276-92F3-45EF-99C4-15FD235F79D4}" type="presOf" srcId="{5606D89E-8552-4915-BE05-9C714E05FD3E}" destId="{AAE531AC-9599-4E7E-A5CB-69E7B09EB10A}" srcOrd="0" destOrd="0" presId="urn:microsoft.com/office/officeart/2005/8/layout/hierarchy4"/>
+    <dgm:cxn modelId="{90CD997D-003D-40DD-878D-D61BA053598F}" type="presOf" srcId="{28160A76-5A44-4C08-98A0-4916E5E1759E}" destId="{B8F09D40-FDE2-4322-A87D-7670D7B2EEC4}" srcOrd="0" destOrd="0" presId="urn:microsoft.com/office/officeart/2005/8/layout/hierarchy4"/>
+    <dgm:cxn modelId="{CD681B8D-B013-4DF6-90F2-59FE95D4D73F}" srcId="{5606D89E-8552-4915-BE05-9C714E05FD3E}" destId="{999E2FFB-9F7F-429E-B90D-2562D7B4E888}" srcOrd="2" destOrd="0" parTransId="{A10E8847-BFD9-418A-B12A-45CF0FF3EA0D}" sibTransId="{B5376397-290C-41C8-8038-D63CA31FB6DA}"/>
+    <dgm:cxn modelId="{3F80849D-FE69-48F3-871B-E16B3EA10F66}" type="presOf" srcId="{5A7C261B-3D42-4019-9465-3C7B208CB1C2}" destId="{6D44BCBE-15D2-4179-982E-31BB1146BDF1}" srcOrd="0" destOrd="0" presId="urn:microsoft.com/office/officeart/2005/8/layout/hierarchy4"/>
+    <dgm:cxn modelId="{6A4F1DA6-9A2F-4196-A9F9-A56F7CF568E1}" type="presOf" srcId="{909E94DB-8106-4CBF-9F0C-7967B4B02184}" destId="{C2991E0E-4DB2-4954-9FB4-A7197BE7744D}" srcOrd="0" destOrd="0" presId="urn:microsoft.com/office/officeart/2005/8/layout/hierarchy4"/>
+    <dgm:cxn modelId="{65E937BA-26CD-43AA-A944-416B9C9B53EE}" srcId="{4C3A0F54-F357-486F-8109-C813F9A13A6D}" destId="{909E94DB-8106-4CBF-9F0C-7967B4B02184}" srcOrd="2" destOrd="0" parTransId="{DF4A079F-DB9C-48CF-ACEB-FAB274E53522}" sibTransId="{EEC27D03-D350-4D1C-A0EA-8979DD3621BA}"/>
+    <dgm:cxn modelId="{42EB19CA-2394-49FB-AB9C-2E6EA36B109C}" type="presOf" srcId="{4C3A0F54-F357-486F-8109-C813F9A13A6D}" destId="{85133FDB-52C6-4099-8076-15B4DDE28E28}" srcOrd="0" destOrd="0" presId="urn:microsoft.com/office/officeart/2005/8/layout/hierarchy4"/>
+    <dgm:cxn modelId="{147010D3-2506-46CB-8FFF-367F5D5405A0}" srcId="{4C3A0F54-F357-486F-8109-C813F9A13A6D}" destId="{60D8033E-DA38-4CCF-A205-054A96C4A510}" srcOrd="1" destOrd="0" parTransId="{FC5CA7DC-D475-4407-BE1C-F50295FB4DC9}" sibTransId="{F1631D3B-F81B-4F8B-9529-22F8616120AF}"/>
+    <dgm:cxn modelId="{273746ED-B93A-4F29-B081-4D4056BA10B3}" type="presOf" srcId="{999E2FFB-9F7F-429E-B90D-2562D7B4E888}" destId="{889E62C5-B6AE-4C3E-BFAF-147AC79FC512}" srcOrd="0" destOrd="0" presId="urn:microsoft.com/office/officeart/2005/8/layout/hierarchy4"/>
+    <dgm:cxn modelId="{6274EDED-D0C2-4115-8503-A588F8E80978}" srcId="{5606D89E-8552-4915-BE05-9C714E05FD3E}" destId="{5A7C261B-3D42-4019-9465-3C7B208CB1C2}" srcOrd="1" destOrd="0" parTransId="{95C3A6A6-10DA-48ED-9740-3E0F604DE9DE}" sibTransId="{AB6FA89C-F37C-4F7A-A897-6D1448A068E5}"/>
+    <dgm:cxn modelId="{EA5F2AF3-A4F2-4441-9981-B4F40B7FBFE8}" type="presParOf" srcId="{D3A41E72-A502-4190-AF5B-23D9A09DA03C}" destId="{1CBA73C9-C85E-4AA2-B78A-DBD3488D7C04}" srcOrd="0" destOrd="0" presId="urn:microsoft.com/office/officeart/2005/8/layout/hierarchy4"/>
+    <dgm:cxn modelId="{0E4EB039-F513-44D2-9C4B-1F2EEEC1C5DF}" type="presParOf" srcId="{1CBA73C9-C85E-4AA2-B78A-DBD3488D7C04}" destId="{B8F09D40-FDE2-4322-A87D-7670D7B2EEC4}" srcOrd="0" destOrd="0" presId="urn:microsoft.com/office/officeart/2005/8/layout/hierarchy4"/>
+    <dgm:cxn modelId="{1549C9E5-C547-4926-A172-780598E8E7DF}" type="presParOf" srcId="{1CBA73C9-C85E-4AA2-B78A-DBD3488D7C04}" destId="{2762F3A8-480B-4711-8BD9-A3C1EB021857}" srcOrd="1" destOrd="0" presId="urn:microsoft.com/office/officeart/2005/8/layout/hierarchy4"/>
+    <dgm:cxn modelId="{5E7D1156-5C53-4302-BBEE-04A4328FD158}" type="presParOf" srcId="{1CBA73C9-C85E-4AA2-B78A-DBD3488D7C04}" destId="{DCF20739-008D-4B44-85A2-8070BFA42A93}" srcOrd="2" destOrd="0" presId="urn:microsoft.com/office/officeart/2005/8/layout/hierarchy4"/>
+    <dgm:cxn modelId="{F253A943-41D0-4B00-88F6-6337615BFD43}" type="presParOf" srcId="{DCF20739-008D-4B44-85A2-8070BFA42A93}" destId="{9763FAA6-77AE-409B-9F49-7CF02AF046EB}" srcOrd="0" destOrd="0" presId="urn:microsoft.com/office/officeart/2005/8/layout/hierarchy4"/>
+    <dgm:cxn modelId="{CB17D710-E545-4785-A6B6-1494102B93BA}" type="presParOf" srcId="{9763FAA6-77AE-409B-9F49-7CF02AF046EB}" destId="{85133FDB-52C6-4099-8076-15B4DDE28E28}" srcOrd="0" destOrd="0" presId="urn:microsoft.com/office/officeart/2005/8/layout/hierarchy4"/>
+    <dgm:cxn modelId="{91C3B033-7F35-460C-9277-19AB0A84FE06}" type="presParOf" srcId="{9763FAA6-77AE-409B-9F49-7CF02AF046EB}" destId="{D35975D1-197C-458E-ABF9-BF7AED302AB5}" srcOrd="1" destOrd="0" presId="urn:microsoft.com/office/officeart/2005/8/layout/hierarchy4"/>
+    <dgm:cxn modelId="{922D8144-0980-4BF6-8C40-FBCB3AA12AE9}" type="presParOf" srcId="{9763FAA6-77AE-409B-9F49-7CF02AF046EB}" destId="{BA1311C9-72FB-45D7-8B8C-C8EA0C946981}" srcOrd="2" destOrd="0" presId="urn:microsoft.com/office/officeart/2005/8/layout/hierarchy4"/>
+    <dgm:cxn modelId="{2675BDEF-C2B8-443E-B4CC-614DD78D9B3B}" type="presParOf" srcId="{BA1311C9-72FB-45D7-8B8C-C8EA0C946981}" destId="{60E2E32A-33CE-46AB-A648-453E41F07D45}" srcOrd="0" destOrd="0" presId="urn:microsoft.com/office/officeart/2005/8/layout/hierarchy4"/>
+    <dgm:cxn modelId="{6B2596F8-69D2-428F-9101-7368AB15FD36}" type="presParOf" srcId="{60E2E32A-33CE-46AB-A648-453E41F07D45}" destId="{B0544DAB-8EE2-4267-B7B0-6BD3546A7E07}" srcOrd="0" destOrd="0" presId="urn:microsoft.com/office/officeart/2005/8/layout/hierarchy4"/>
+    <dgm:cxn modelId="{0FA3F0A8-E69B-4403-9637-874FAA5204E6}" type="presParOf" srcId="{60E2E32A-33CE-46AB-A648-453E41F07D45}" destId="{FFA43671-FDAD-4330-BF21-0CF420DB12C9}" srcOrd="1" destOrd="0" presId="urn:microsoft.com/office/officeart/2005/8/layout/hierarchy4"/>
+    <dgm:cxn modelId="{C6D1ADC2-F4DC-457B-A65A-B2CECC064F28}" type="presParOf" srcId="{BA1311C9-72FB-45D7-8B8C-C8EA0C946981}" destId="{B8F4012F-43E6-4616-863B-72A2A4413E33}" srcOrd="1" destOrd="0" presId="urn:microsoft.com/office/officeart/2005/8/layout/hierarchy4"/>
+    <dgm:cxn modelId="{5BFD7BBA-447D-4815-AB64-D5F9FB9C132E}" type="presParOf" srcId="{BA1311C9-72FB-45D7-8B8C-C8EA0C946981}" destId="{EB8EA0CE-A40E-4AAB-B0FD-5607E0D65B88}" srcOrd="2" destOrd="0" presId="urn:microsoft.com/office/officeart/2005/8/layout/hierarchy4"/>
+    <dgm:cxn modelId="{6484A37F-FFD2-458C-B66B-68E1B0CCF589}" type="presParOf" srcId="{EB8EA0CE-A40E-4AAB-B0FD-5607E0D65B88}" destId="{523FD0A0-F5C3-46BB-8F88-984BF6371FF8}" srcOrd="0" destOrd="0" presId="urn:microsoft.com/office/officeart/2005/8/layout/hierarchy4"/>
+    <dgm:cxn modelId="{87D9DEA7-DF40-48AB-84D5-1B38DA302028}" type="presParOf" srcId="{EB8EA0CE-A40E-4AAB-B0FD-5607E0D65B88}" destId="{D2063CF5-0EF0-4324-A63A-D484A23FFAE9}" srcOrd="1" destOrd="0" presId="urn:microsoft.com/office/officeart/2005/8/layout/hierarchy4"/>
+    <dgm:cxn modelId="{F7C08F28-3215-4325-8B40-53439F0DA440}" type="presParOf" srcId="{BA1311C9-72FB-45D7-8B8C-C8EA0C946981}" destId="{03B393C2-3C24-49CC-BD4E-89FFE20B0F9C}" srcOrd="3" destOrd="0" presId="urn:microsoft.com/office/officeart/2005/8/layout/hierarchy4"/>
+    <dgm:cxn modelId="{B98E2F88-E55F-4BA0-A18F-DCB478140285}" type="presParOf" srcId="{BA1311C9-72FB-45D7-8B8C-C8EA0C946981}" destId="{E601867A-BFB7-458A-8772-76C7ADE364F7}" srcOrd="4" destOrd="0" presId="urn:microsoft.com/office/officeart/2005/8/layout/hierarchy4"/>
+    <dgm:cxn modelId="{A7EBC51D-EEE6-4545-B77F-36EEDE635A29}" type="presParOf" srcId="{E601867A-BFB7-458A-8772-76C7ADE364F7}" destId="{C2991E0E-4DB2-4954-9FB4-A7197BE7744D}" srcOrd="0" destOrd="0" presId="urn:microsoft.com/office/officeart/2005/8/layout/hierarchy4"/>
+    <dgm:cxn modelId="{3A3E9DEF-C856-49D5-A883-1B955A6BE8C0}" type="presParOf" srcId="{E601867A-BFB7-458A-8772-76C7ADE364F7}" destId="{85EAAC60-0955-4079-8EB1-DCBBDB83B222}" srcOrd="1" destOrd="0" presId="urn:microsoft.com/office/officeart/2005/8/layout/hierarchy4"/>
+    <dgm:cxn modelId="{5B7900EC-2879-4B46-AE72-3992C87F90D5}" type="presParOf" srcId="{DCF20739-008D-4B44-85A2-8070BFA42A93}" destId="{45893886-E49F-4149-822A-739D46C26BB3}" srcOrd="1" destOrd="0" presId="urn:microsoft.com/office/officeart/2005/8/layout/hierarchy4"/>
+    <dgm:cxn modelId="{2CD0E631-B24A-4B0D-B524-28F75184B94A}" type="presParOf" srcId="{DCF20739-008D-4B44-85A2-8070BFA42A93}" destId="{D3EDB921-CBD0-4A55-A874-CC39087AADE8}" srcOrd="2" destOrd="0" presId="urn:microsoft.com/office/officeart/2005/8/layout/hierarchy4"/>
+    <dgm:cxn modelId="{9093984C-D4E6-4C38-AFE9-EDCD7EC2D2B7}" type="presParOf" srcId="{D3EDB921-CBD0-4A55-A874-CC39087AADE8}" destId="{AAE531AC-9599-4E7E-A5CB-69E7B09EB10A}" srcOrd="0" destOrd="0" presId="urn:microsoft.com/office/officeart/2005/8/layout/hierarchy4"/>
+    <dgm:cxn modelId="{7ACE9705-1E8E-4EC1-B881-6130FBB3B7BC}" type="presParOf" srcId="{D3EDB921-CBD0-4A55-A874-CC39087AADE8}" destId="{A839BBE9-ADB2-4771-9CB9-9C4525CC8AD7}" srcOrd="1" destOrd="0" presId="urn:microsoft.com/office/officeart/2005/8/layout/hierarchy4"/>
+    <dgm:cxn modelId="{905C16C4-51A7-44F9-8E0A-A5EBE31045CA}" type="presParOf" srcId="{D3EDB921-CBD0-4A55-A874-CC39087AADE8}" destId="{C78214DB-29A9-4375-9497-0F0DE9F1F67C}" srcOrd="2" destOrd="0" presId="urn:microsoft.com/office/officeart/2005/8/layout/hierarchy4"/>
+    <dgm:cxn modelId="{4F47B797-8FC1-403B-8DCF-35460195CA93}" type="presParOf" srcId="{C78214DB-29A9-4375-9497-0F0DE9F1F67C}" destId="{266455AC-67CF-4B2D-83AA-B91CFFD0A2AA}" srcOrd="0" destOrd="0" presId="urn:microsoft.com/office/officeart/2005/8/layout/hierarchy4"/>
+    <dgm:cxn modelId="{58551CFD-F3A4-4D5D-B684-F57B956B247E}" type="presParOf" srcId="{266455AC-67CF-4B2D-83AA-B91CFFD0A2AA}" destId="{86D57841-305B-4066-824D-12CB3FAAC2C0}" srcOrd="0" destOrd="0" presId="urn:microsoft.com/office/officeart/2005/8/layout/hierarchy4"/>
+    <dgm:cxn modelId="{5FEF0CBC-DF37-4DEC-ACE3-09934FC30A23}" type="presParOf" srcId="{266455AC-67CF-4B2D-83AA-B91CFFD0A2AA}" destId="{F0045A07-ED81-40AF-ACDD-EEDECA029B91}" srcOrd="1" destOrd="0" presId="urn:microsoft.com/office/officeart/2005/8/layout/hierarchy4"/>
+    <dgm:cxn modelId="{1DB0BFEC-B8B9-441E-8C7E-6406B3C9B29C}" type="presParOf" srcId="{C78214DB-29A9-4375-9497-0F0DE9F1F67C}" destId="{3FCC1254-13C4-462F-B4E5-EDF6E005849B}" srcOrd="1" destOrd="0" presId="urn:microsoft.com/office/officeart/2005/8/layout/hierarchy4"/>
+    <dgm:cxn modelId="{64CBA073-8183-44D9-9B49-E527BE91ABA2}" type="presParOf" srcId="{C78214DB-29A9-4375-9497-0F0DE9F1F67C}" destId="{34B7347B-CA97-4A9E-A4C0-6A12DC886E91}" srcOrd="2" destOrd="0" presId="urn:microsoft.com/office/officeart/2005/8/layout/hierarchy4"/>
+    <dgm:cxn modelId="{4D15D96D-09B2-43E1-A0C3-5229F0E2E655}" type="presParOf" srcId="{34B7347B-CA97-4A9E-A4C0-6A12DC886E91}" destId="{6D44BCBE-15D2-4179-982E-31BB1146BDF1}" srcOrd="0" destOrd="0" presId="urn:microsoft.com/office/officeart/2005/8/layout/hierarchy4"/>
+    <dgm:cxn modelId="{2A13A541-4311-424B-B69A-48EBFD91F825}" type="presParOf" srcId="{34B7347B-CA97-4A9E-A4C0-6A12DC886E91}" destId="{A37E7C0A-F9F7-42C4-B2D2-F798213AA992}" srcOrd="1" destOrd="0" presId="urn:microsoft.com/office/officeart/2005/8/layout/hierarchy4"/>
+    <dgm:cxn modelId="{48951DEF-3EED-4ACB-99C3-0E31946FE7AE}" type="presParOf" srcId="{C78214DB-29A9-4375-9497-0F0DE9F1F67C}" destId="{E11398EA-F141-4D85-AFCF-489622FF1002}" srcOrd="3" destOrd="0" presId="urn:microsoft.com/office/officeart/2005/8/layout/hierarchy4"/>
+    <dgm:cxn modelId="{611C911B-CBA6-437E-9B22-F71738AFDD27}" type="presParOf" srcId="{C78214DB-29A9-4375-9497-0F0DE9F1F67C}" destId="{2ACF1D3F-2015-4090-B792-AA9318A86C03}" srcOrd="4" destOrd="0" presId="urn:microsoft.com/office/officeart/2005/8/layout/hierarchy4"/>
+    <dgm:cxn modelId="{C262F80D-8825-461E-A0C5-A3CC2E29BA1E}" type="presParOf" srcId="{2ACF1D3F-2015-4090-B792-AA9318A86C03}" destId="{889E62C5-B6AE-4C3E-BFAF-147AC79FC512}" srcOrd="0" destOrd="0" presId="urn:microsoft.com/office/officeart/2005/8/layout/hierarchy4"/>
+    <dgm:cxn modelId="{83707E8F-065A-4739-BE75-A5837903548D}" type="presParOf" srcId="{2ACF1D3F-2015-4090-B792-AA9318A86C03}" destId="{C07C326F-720A-4F65-A44F-24FBB05398D5}" srcOrd="1" destOrd="0" presId="urn:microsoft.com/office/officeart/2005/8/layout/hierarchy4"/>
+  </dgm:cxnLst>
+  <dgm:bg/>
+  <dgm:whole/>
+  <dgm:extLst>
+    <a:ext uri="http://schemas.microsoft.com/office/drawing/2008/diagram">
+      <dsp:dataModelExt xmlns:dsp="http://schemas.microsoft.com/office/drawing/2008/diagram" relId="rId6" minVer="http://schemas.openxmlformats.org/drawingml/2006/diagram"/>
+    </a:ext>
+  </dgm:extLst>
+</dgm:dataModel>
+</file>
+
+<file path=ppt/diagrams/drawing1.xml><?xml version="1.0" encoding="utf-8"?>
+<dsp:drawing xmlns:dgm="http://schemas.openxmlformats.org/drawingml/2006/diagram" xmlns:dsp="http://schemas.microsoft.com/office/drawing/2008/diagram" xmlns:a="http://schemas.openxmlformats.org/drawingml/2006/main">
+  <dsp:spTree>
+    <dsp:nvGrpSpPr>
+      <dsp:cNvPr id="0" name=""/>
+      <dsp:cNvGrpSpPr/>
+    </dsp:nvGrpSpPr>
+    <dsp:grpSpPr/>
+    <dsp:sp modelId="{B8F09D40-FDE2-4322-A87D-7670D7B2EEC4}">
+      <dsp:nvSpPr>
+        <dsp:cNvPr id="0" name=""/>
+        <dsp:cNvSpPr/>
+      </dsp:nvSpPr>
+      <dsp:spPr>
+        <a:xfrm>
+          <a:off x="1398" y="952"/>
+          <a:ext cx="12189202" cy="2143125"/>
+        </a:xfrm>
+        <a:prstGeom prst="roundRect">
+          <a:avLst>
+            <a:gd name="adj" fmla="val 10000"/>
+          </a:avLst>
+        </a:prstGeom>
+        <a:solidFill>
+          <a:schemeClr val="accent1">
+            <a:hueOff val="0"/>
+            <a:satOff val="0"/>
+            <a:lumOff val="0"/>
+            <a:alphaOff val="0"/>
+          </a:schemeClr>
+        </a:solidFill>
+        <a:ln w="12700" cap="flat" cmpd="sng" algn="ctr">
+          <a:solidFill>
+            <a:schemeClr val="lt1">
+              <a:hueOff val="0"/>
+              <a:satOff val="0"/>
+              <a:lumOff val="0"/>
+              <a:alphaOff val="0"/>
+            </a:schemeClr>
+          </a:solidFill>
+          <a:prstDash val="solid"/>
+          <a:miter lim="800000"/>
+        </a:ln>
+        <a:effectLst/>
+      </dsp:spPr>
+      <dsp:style>
+        <a:lnRef idx="2">
+          <a:scrgbClr r="0" g="0" b="0"/>
+        </a:lnRef>
+        <a:fillRef idx="1">
+          <a:scrgbClr r="0" g="0" b="0"/>
+        </a:fillRef>
+        <a:effectRef idx="0">
+          <a:scrgbClr r="0" g="0" b="0"/>
+        </a:effectRef>
+        <a:fontRef idx="minor">
+          <a:schemeClr val="lt1"/>
+        </a:fontRef>
+      </dsp:style>
+      <dsp:txBody>
+        <a:bodyPr spcFirstLastPara="0" vert="horz" wrap="square" lIns="247650" tIns="247650" rIns="247650" bIns="247650" numCol="1" spcCol="1270" anchor="ctr" anchorCtr="0">
+          <a:noAutofit/>
+        </a:bodyPr>
+        <a:lstStyle/>
+        <a:p>
+          <a:pPr marL="0" lvl="0" indent="0" algn="ctr" defTabSz="2889250">
+            <a:lnSpc>
+              <a:spcPct val="90000"/>
+            </a:lnSpc>
+            <a:spcBef>
+              <a:spcPct val="0"/>
+            </a:spcBef>
+            <a:spcAft>
+              <a:spcPct val="35000"/>
+            </a:spcAft>
+            <a:buNone/>
+          </a:pPr>
+          <a:r>
+            <a:rPr lang="en-US" sz="6500" kern="1200" dirty="0"/>
+            <a:t>App</a:t>
+          </a:r>
+          <a:endParaRPr lang="ru-KZ" sz="6500" kern="1200" dirty="0"/>
+        </a:p>
+      </dsp:txBody>
+      <dsp:txXfrm>
+        <a:off x="64168" y="63722"/>
+        <a:ext cx="12063662" cy="2017585"/>
+      </dsp:txXfrm>
+    </dsp:sp>
+    <dsp:sp modelId="{85133FDB-52C6-4099-8076-15B4DDE28E28}">
+      <dsp:nvSpPr>
+        <dsp:cNvPr id="0" name=""/>
+        <dsp:cNvSpPr/>
+      </dsp:nvSpPr>
+      <dsp:spPr>
+        <a:xfrm>
+          <a:off x="1398" y="2357437"/>
+          <a:ext cx="6012715" cy="2143125"/>
+        </a:xfrm>
+        <a:prstGeom prst="roundRect">
+          <a:avLst>
+            <a:gd name="adj" fmla="val 10000"/>
+          </a:avLst>
+        </a:prstGeom>
+        <a:solidFill>
+          <a:schemeClr val="accent1">
+            <a:hueOff val="0"/>
+            <a:satOff val="0"/>
+            <a:lumOff val="0"/>
+            <a:alphaOff val="0"/>
+          </a:schemeClr>
+        </a:solidFill>
+        <a:ln w="12700" cap="flat" cmpd="sng" algn="ctr">
+          <a:solidFill>
+            <a:schemeClr val="lt1">
+              <a:hueOff val="0"/>
+              <a:satOff val="0"/>
+              <a:lumOff val="0"/>
+              <a:alphaOff val="0"/>
+            </a:schemeClr>
+          </a:solidFill>
+          <a:prstDash val="solid"/>
+          <a:miter lim="800000"/>
+        </a:ln>
+        <a:effectLst/>
+      </dsp:spPr>
+      <dsp:style>
+        <a:lnRef idx="2">
+          <a:scrgbClr r="0" g="0" b="0"/>
+        </a:lnRef>
+        <a:fillRef idx="1">
+          <a:scrgbClr r="0" g="0" b="0"/>
+        </a:fillRef>
+        <a:effectRef idx="0">
+          <a:scrgbClr r="0" g="0" b="0"/>
+        </a:effectRef>
+        <a:fontRef idx="minor">
+          <a:schemeClr val="lt1"/>
+        </a:fontRef>
+      </dsp:style>
+      <dsp:txBody>
+        <a:bodyPr spcFirstLastPara="0" vert="horz" wrap="square" lIns="247650" tIns="247650" rIns="247650" bIns="247650" numCol="1" spcCol="1270" anchor="ctr" anchorCtr="0">
+          <a:noAutofit/>
+        </a:bodyPr>
+        <a:lstStyle/>
+        <a:p>
+          <a:pPr marL="0" lvl="0" indent="0" algn="ctr" defTabSz="2889250">
+            <a:lnSpc>
+              <a:spcPct val="90000"/>
+            </a:lnSpc>
+            <a:spcBef>
+              <a:spcPct val="0"/>
+            </a:spcBef>
+            <a:spcAft>
+              <a:spcPct val="35000"/>
+            </a:spcAft>
+            <a:buNone/>
+          </a:pPr>
+          <a:r>
+            <a:rPr lang="en-US" sz="6500" kern="1200" dirty="0"/>
+            <a:t>Authorize</a:t>
+          </a:r>
+          <a:endParaRPr lang="ru-KZ" sz="6500" kern="1200" dirty="0"/>
+        </a:p>
+      </dsp:txBody>
+      <dsp:txXfrm>
+        <a:off x="64168" y="2420207"/>
+        <a:ext cx="5887175" cy="2017585"/>
+      </dsp:txXfrm>
+    </dsp:sp>
+    <dsp:sp modelId="{B0544DAB-8EE2-4267-B7B0-6BD3546A7E07}">
+      <dsp:nvSpPr>
+        <dsp:cNvPr id="0" name=""/>
+        <dsp:cNvSpPr/>
+      </dsp:nvSpPr>
+      <dsp:spPr>
+        <a:xfrm>
+          <a:off x="1398" y="4713922"/>
+          <a:ext cx="1949648" cy="2143125"/>
+        </a:xfrm>
+        <a:prstGeom prst="roundRect">
+          <a:avLst>
+            <a:gd name="adj" fmla="val 10000"/>
+          </a:avLst>
+        </a:prstGeom>
+        <a:solidFill>
+          <a:schemeClr val="accent1">
+            <a:hueOff val="0"/>
+            <a:satOff val="0"/>
+            <a:lumOff val="0"/>
+            <a:alphaOff val="0"/>
+          </a:schemeClr>
+        </a:solidFill>
+        <a:ln w="12700" cap="flat" cmpd="sng" algn="ctr">
+          <a:solidFill>
+            <a:schemeClr val="lt1">
+              <a:hueOff val="0"/>
+              <a:satOff val="0"/>
+              <a:lumOff val="0"/>
+              <a:alphaOff val="0"/>
+            </a:schemeClr>
+          </a:solidFill>
+          <a:prstDash val="solid"/>
+          <a:miter lim="800000"/>
+        </a:ln>
+        <a:effectLst/>
+      </dsp:spPr>
+      <dsp:style>
+        <a:lnRef idx="2">
+          <a:scrgbClr r="0" g="0" b="0"/>
+        </a:lnRef>
+        <a:fillRef idx="1">
+          <a:scrgbClr r="0" g="0" b="0"/>
+        </a:fillRef>
+        <a:effectRef idx="0">
+          <a:scrgbClr r="0" g="0" b="0"/>
+        </a:effectRef>
+        <a:fontRef idx="minor">
+          <a:schemeClr val="lt1"/>
+        </a:fontRef>
+      </dsp:style>
+      <dsp:txBody>
+        <a:bodyPr spcFirstLastPara="0" vert="horz" wrap="square" lIns="95250" tIns="95250" rIns="95250" bIns="95250" numCol="1" spcCol="1270" anchor="ctr" anchorCtr="0">
+          <a:noAutofit/>
+        </a:bodyPr>
+        <a:lstStyle/>
+        <a:p>
+          <a:pPr marL="0" lvl="0" indent="0" algn="ctr" defTabSz="1111250">
+            <a:lnSpc>
+              <a:spcPct val="90000"/>
+            </a:lnSpc>
+            <a:spcBef>
+              <a:spcPct val="0"/>
+            </a:spcBef>
+            <a:spcAft>
+              <a:spcPct val="35000"/>
+            </a:spcAft>
+            <a:buNone/>
+          </a:pPr>
+          <a:r>
+            <a:rPr lang="en-US" sz="2500" kern="1200" dirty="0" err="1"/>
+            <a:t>FixedHeader</a:t>
+          </a:r>
+          <a:endParaRPr lang="ru-KZ" sz="2500" kern="1200" dirty="0"/>
+        </a:p>
+      </dsp:txBody>
+      <dsp:txXfrm>
+        <a:off x="58501" y="4771025"/>
+        <a:ext cx="1835442" cy="2028919"/>
+      </dsp:txXfrm>
+    </dsp:sp>
+    <dsp:sp modelId="{523FD0A0-F5C3-46BB-8F88-984BF6371FF8}">
+      <dsp:nvSpPr>
+        <dsp:cNvPr id="0" name=""/>
+        <dsp:cNvSpPr/>
+      </dsp:nvSpPr>
+      <dsp:spPr>
+        <a:xfrm>
+          <a:off x="2032932" y="4713922"/>
+          <a:ext cx="1949648" cy="2143125"/>
+        </a:xfrm>
+        <a:prstGeom prst="roundRect">
+          <a:avLst>
+            <a:gd name="adj" fmla="val 10000"/>
+          </a:avLst>
+        </a:prstGeom>
+        <a:solidFill>
+          <a:schemeClr val="accent1">
+            <a:hueOff val="0"/>
+            <a:satOff val="0"/>
+            <a:lumOff val="0"/>
+            <a:alphaOff val="0"/>
+          </a:schemeClr>
+        </a:solidFill>
+        <a:ln w="12700" cap="flat" cmpd="sng" algn="ctr">
+          <a:solidFill>
+            <a:schemeClr val="lt1">
+              <a:hueOff val="0"/>
+              <a:satOff val="0"/>
+              <a:lumOff val="0"/>
+              <a:alphaOff val="0"/>
+            </a:schemeClr>
+          </a:solidFill>
+          <a:prstDash val="solid"/>
+          <a:miter lim="800000"/>
+        </a:ln>
+        <a:effectLst/>
+      </dsp:spPr>
+      <dsp:style>
+        <a:lnRef idx="2">
+          <a:scrgbClr r="0" g="0" b="0"/>
+        </a:lnRef>
+        <a:fillRef idx="1">
+          <a:scrgbClr r="0" g="0" b="0"/>
+        </a:fillRef>
+        <a:effectRef idx="0">
+          <a:scrgbClr r="0" g="0" b="0"/>
+        </a:effectRef>
+        <a:fontRef idx="minor">
+          <a:schemeClr val="lt1"/>
+        </a:fontRef>
+      </dsp:style>
+      <dsp:txBody>
+        <a:bodyPr spcFirstLastPara="0" vert="horz" wrap="square" lIns="95250" tIns="95250" rIns="95250" bIns="95250" numCol="1" spcCol="1270" anchor="ctr" anchorCtr="0">
+          <a:noAutofit/>
+        </a:bodyPr>
+        <a:lstStyle/>
+        <a:p>
+          <a:pPr marL="0" lvl="0" indent="0" algn="ctr" defTabSz="1111250">
+            <a:lnSpc>
+              <a:spcPct val="90000"/>
+            </a:lnSpc>
+            <a:spcBef>
+              <a:spcPct val="0"/>
+            </a:spcBef>
+            <a:spcAft>
+              <a:spcPct val="35000"/>
+            </a:spcAft>
+            <a:buNone/>
+          </a:pPr>
+          <a:r>
+            <a:rPr lang="en-US" sz="2500" kern="1200" dirty="0"/>
+            <a:t>Login</a:t>
+          </a:r>
+          <a:endParaRPr lang="ru-KZ" sz="2500" kern="1200" dirty="0"/>
+        </a:p>
+      </dsp:txBody>
+      <dsp:txXfrm>
+        <a:off x="2090035" y="4771025"/>
+        <a:ext cx="1835442" cy="2028919"/>
+      </dsp:txXfrm>
+    </dsp:sp>
+    <dsp:sp modelId="{C2991E0E-4DB2-4954-9FB4-A7197BE7744D}">
+      <dsp:nvSpPr>
+        <dsp:cNvPr id="0" name=""/>
+        <dsp:cNvSpPr/>
+      </dsp:nvSpPr>
+      <dsp:spPr>
+        <a:xfrm>
+          <a:off x="4064466" y="4713922"/>
+          <a:ext cx="1949648" cy="2143125"/>
+        </a:xfrm>
+        <a:prstGeom prst="roundRect">
+          <a:avLst>
+            <a:gd name="adj" fmla="val 10000"/>
+          </a:avLst>
+        </a:prstGeom>
+        <a:solidFill>
+          <a:schemeClr val="accent1">
+            <a:hueOff val="0"/>
+            <a:satOff val="0"/>
+            <a:lumOff val="0"/>
+            <a:alphaOff val="0"/>
+          </a:schemeClr>
+        </a:solidFill>
+        <a:ln w="12700" cap="flat" cmpd="sng" algn="ctr">
+          <a:solidFill>
+            <a:schemeClr val="lt1">
+              <a:hueOff val="0"/>
+              <a:satOff val="0"/>
+              <a:lumOff val="0"/>
+              <a:alphaOff val="0"/>
+            </a:schemeClr>
+          </a:solidFill>
+          <a:prstDash val="solid"/>
+          <a:miter lim="800000"/>
+        </a:ln>
+        <a:effectLst/>
+      </dsp:spPr>
+      <dsp:style>
+        <a:lnRef idx="2">
+          <a:scrgbClr r="0" g="0" b="0"/>
+        </a:lnRef>
+        <a:fillRef idx="1">
+          <a:scrgbClr r="0" g="0" b="0"/>
+        </a:fillRef>
+        <a:effectRef idx="0">
+          <a:scrgbClr r="0" g="0" b="0"/>
+        </a:effectRef>
+        <a:fontRef idx="minor">
+          <a:schemeClr val="lt1"/>
+        </a:fontRef>
+      </dsp:style>
+      <dsp:txBody>
+        <a:bodyPr spcFirstLastPara="0" vert="horz" wrap="square" lIns="95250" tIns="95250" rIns="95250" bIns="95250" numCol="1" spcCol="1270" anchor="ctr" anchorCtr="0">
+          <a:noAutofit/>
+        </a:bodyPr>
+        <a:lstStyle/>
+        <a:p>
+          <a:pPr marL="0" lvl="0" indent="0" algn="ctr" defTabSz="1111250">
+            <a:lnSpc>
+              <a:spcPct val="90000"/>
+            </a:lnSpc>
+            <a:spcBef>
+              <a:spcPct val="0"/>
+            </a:spcBef>
+            <a:spcAft>
+              <a:spcPct val="35000"/>
+            </a:spcAft>
+            <a:buNone/>
+          </a:pPr>
+          <a:r>
+            <a:rPr lang="en-US" sz="2500" kern="1200"/>
+            <a:t>forgot-password</a:t>
+          </a:r>
+          <a:endParaRPr lang="ru-KZ" sz="2500" kern="1200" dirty="0"/>
+        </a:p>
+      </dsp:txBody>
+      <dsp:txXfrm>
+        <a:off x="4121569" y="4771025"/>
+        <a:ext cx="1835442" cy="2028919"/>
+      </dsp:txXfrm>
+    </dsp:sp>
+    <dsp:sp modelId="{AAE531AC-9599-4E7E-A5CB-69E7B09EB10A}">
+      <dsp:nvSpPr>
+        <dsp:cNvPr id="0" name=""/>
+        <dsp:cNvSpPr/>
+      </dsp:nvSpPr>
+      <dsp:spPr>
+        <a:xfrm>
+          <a:off x="6177885" y="2357437"/>
+          <a:ext cx="6012715" cy="2143125"/>
+        </a:xfrm>
+        <a:prstGeom prst="roundRect">
+          <a:avLst>
+            <a:gd name="adj" fmla="val 10000"/>
+          </a:avLst>
+        </a:prstGeom>
+        <a:solidFill>
+          <a:schemeClr val="accent1">
+            <a:hueOff val="0"/>
+            <a:satOff val="0"/>
+            <a:lumOff val="0"/>
+            <a:alphaOff val="0"/>
+          </a:schemeClr>
+        </a:solidFill>
+        <a:ln w="12700" cap="flat" cmpd="sng" algn="ctr">
+          <a:solidFill>
+            <a:schemeClr val="lt1">
+              <a:hueOff val="0"/>
+              <a:satOff val="0"/>
+              <a:lumOff val="0"/>
+              <a:alphaOff val="0"/>
+            </a:schemeClr>
+          </a:solidFill>
+          <a:prstDash val="solid"/>
+          <a:miter lim="800000"/>
+        </a:ln>
+        <a:effectLst/>
+      </dsp:spPr>
+      <dsp:style>
+        <a:lnRef idx="2">
+          <a:scrgbClr r="0" g="0" b="0"/>
+        </a:lnRef>
+        <a:fillRef idx="1">
+          <a:scrgbClr r="0" g="0" b="0"/>
+        </a:fillRef>
+        <a:effectRef idx="0">
+          <a:scrgbClr r="0" g="0" b="0"/>
+        </a:effectRef>
+        <a:fontRef idx="minor">
+          <a:schemeClr val="lt1"/>
+        </a:fontRef>
+      </dsp:style>
+      <dsp:txBody>
+        <a:bodyPr spcFirstLastPara="0" vert="horz" wrap="square" lIns="247650" tIns="247650" rIns="247650" bIns="247650" numCol="1" spcCol="1270" anchor="ctr" anchorCtr="0">
+          <a:noAutofit/>
+        </a:bodyPr>
+        <a:lstStyle/>
+        <a:p>
+          <a:pPr marL="0" lvl="0" indent="0" algn="ctr" defTabSz="2889250">
+            <a:lnSpc>
+              <a:spcPct val="90000"/>
+            </a:lnSpc>
+            <a:spcBef>
+              <a:spcPct val="0"/>
+            </a:spcBef>
+            <a:spcAft>
+              <a:spcPct val="35000"/>
+            </a:spcAft>
+            <a:buNone/>
+          </a:pPr>
+          <a:r>
+            <a:rPr lang="en-US" sz="6500" kern="1200" dirty="0"/>
+            <a:t>Main</a:t>
+          </a:r>
+          <a:endParaRPr lang="ru-KZ" sz="6500" kern="1200" dirty="0"/>
+        </a:p>
+      </dsp:txBody>
+      <dsp:txXfrm>
+        <a:off x="6240655" y="2420207"/>
+        <a:ext cx="5887175" cy="2017585"/>
+      </dsp:txXfrm>
+    </dsp:sp>
+    <dsp:sp modelId="{86D57841-305B-4066-824D-12CB3FAAC2C0}">
+      <dsp:nvSpPr>
+        <dsp:cNvPr id="0" name=""/>
+        <dsp:cNvSpPr/>
+      </dsp:nvSpPr>
+      <dsp:spPr>
+        <a:xfrm>
+          <a:off x="6177885" y="4713922"/>
+          <a:ext cx="1949648" cy="2143125"/>
+        </a:xfrm>
+        <a:prstGeom prst="roundRect">
+          <a:avLst>
+            <a:gd name="adj" fmla="val 10000"/>
+          </a:avLst>
+        </a:prstGeom>
+        <a:solidFill>
+          <a:schemeClr val="accent1">
+            <a:hueOff val="0"/>
+            <a:satOff val="0"/>
+            <a:lumOff val="0"/>
+            <a:alphaOff val="0"/>
+          </a:schemeClr>
+        </a:solidFill>
+        <a:ln w="12700" cap="flat" cmpd="sng" algn="ctr">
+          <a:solidFill>
+            <a:schemeClr val="lt1">
+              <a:hueOff val="0"/>
+              <a:satOff val="0"/>
+              <a:lumOff val="0"/>
+              <a:alphaOff val="0"/>
+            </a:schemeClr>
+          </a:solidFill>
+          <a:prstDash val="solid"/>
+          <a:miter lim="800000"/>
+        </a:ln>
+        <a:effectLst/>
+      </dsp:spPr>
+      <dsp:style>
+        <a:lnRef idx="2">
+          <a:scrgbClr r="0" g="0" b="0"/>
+        </a:lnRef>
+        <a:fillRef idx="1">
+          <a:scrgbClr r="0" g="0" b="0"/>
+        </a:fillRef>
+        <a:effectRef idx="0">
+          <a:scrgbClr r="0" g="0" b="0"/>
+        </a:effectRef>
+        <a:fontRef idx="minor">
+          <a:schemeClr val="lt1"/>
+        </a:fontRef>
+      </dsp:style>
+      <dsp:txBody>
+        <a:bodyPr spcFirstLastPara="0" vert="horz" wrap="square" lIns="95250" tIns="95250" rIns="95250" bIns="95250" numCol="1" spcCol="1270" anchor="ctr" anchorCtr="0">
+          <a:noAutofit/>
+        </a:bodyPr>
+        <a:lstStyle/>
+        <a:p>
+          <a:pPr marL="0" lvl="0" indent="0" algn="ctr" defTabSz="1111250">
+            <a:lnSpc>
+              <a:spcPct val="90000"/>
+            </a:lnSpc>
+            <a:spcBef>
+              <a:spcPct val="0"/>
+            </a:spcBef>
+            <a:spcAft>
+              <a:spcPct val="35000"/>
+            </a:spcAft>
+            <a:buNone/>
+          </a:pPr>
+          <a:r>
+            <a:rPr lang="en-US" sz="2500" kern="1200"/>
+            <a:t>FixedHeader</a:t>
+          </a:r>
+          <a:endParaRPr lang="ru-KZ" sz="2500" kern="1200" dirty="0"/>
+        </a:p>
+      </dsp:txBody>
+      <dsp:txXfrm>
+        <a:off x="6234988" y="4771025"/>
+        <a:ext cx="1835442" cy="2028919"/>
+      </dsp:txXfrm>
+    </dsp:sp>
+    <dsp:sp modelId="{6D44BCBE-15D2-4179-982E-31BB1146BDF1}">
+      <dsp:nvSpPr>
+        <dsp:cNvPr id="0" name=""/>
+        <dsp:cNvSpPr/>
+      </dsp:nvSpPr>
+      <dsp:spPr>
+        <a:xfrm>
+          <a:off x="8209418" y="4713922"/>
+          <a:ext cx="1949648" cy="2143125"/>
+        </a:xfrm>
+        <a:prstGeom prst="roundRect">
+          <a:avLst>
+            <a:gd name="adj" fmla="val 10000"/>
+          </a:avLst>
+        </a:prstGeom>
+        <a:solidFill>
+          <a:schemeClr val="accent1">
+            <a:hueOff val="0"/>
+            <a:satOff val="0"/>
+            <a:lumOff val="0"/>
+            <a:alphaOff val="0"/>
+          </a:schemeClr>
+        </a:solidFill>
+        <a:ln w="12700" cap="flat" cmpd="sng" algn="ctr">
+          <a:solidFill>
+            <a:schemeClr val="lt1">
+              <a:hueOff val="0"/>
+              <a:satOff val="0"/>
+              <a:lumOff val="0"/>
+              <a:alphaOff val="0"/>
+            </a:schemeClr>
+          </a:solidFill>
+          <a:prstDash val="solid"/>
+          <a:miter lim="800000"/>
+        </a:ln>
+        <a:effectLst/>
+      </dsp:spPr>
+      <dsp:style>
+        <a:lnRef idx="2">
+          <a:scrgbClr r="0" g="0" b="0"/>
+        </a:lnRef>
+        <a:fillRef idx="1">
+          <a:scrgbClr r="0" g="0" b="0"/>
+        </a:fillRef>
+        <a:effectRef idx="0">
+          <a:scrgbClr r="0" g="0" b="0"/>
+        </a:effectRef>
+        <a:fontRef idx="minor">
+          <a:schemeClr val="lt1"/>
+        </a:fontRef>
+      </dsp:style>
+      <dsp:txBody>
+        <a:bodyPr spcFirstLastPara="0" vert="horz" wrap="square" lIns="95250" tIns="95250" rIns="95250" bIns="95250" numCol="1" spcCol="1270" anchor="ctr" anchorCtr="0">
+          <a:noAutofit/>
+        </a:bodyPr>
+        <a:lstStyle/>
+        <a:p>
+          <a:pPr marL="0" lvl="0" indent="0" algn="ctr" defTabSz="1111250">
+            <a:lnSpc>
+              <a:spcPct val="90000"/>
+            </a:lnSpc>
+            <a:spcBef>
+              <a:spcPct val="0"/>
+            </a:spcBef>
+            <a:spcAft>
+              <a:spcPct val="35000"/>
+            </a:spcAft>
+            <a:buNone/>
+          </a:pPr>
+          <a:r>
+            <a:rPr lang="en-US" sz="2500" kern="1200" dirty="0" err="1"/>
+            <a:t>IdeaList</a:t>
+          </a:r>
+          <a:endParaRPr lang="ru-KZ" sz="2500" kern="1200" dirty="0"/>
+        </a:p>
+      </dsp:txBody>
+      <dsp:txXfrm>
+        <a:off x="8266521" y="4771025"/>
+        <a:ext cx="1835442" cy="2028919"/>
+      </dsp:txXfrm>
+    </dsp:sp>
+    <dsp:sp modelId="{889E62C5-B6AE-4C3E-BFAF-147AC79FC512}">
+      <dsp:nvSpPr>
+        <dsp:cNvPr id="0" name=""/>
+        <dsp:cNvSpPr/>
+      </dsp:nvSpPr>
+      <dsp:spPr>
+        <a:xfrm>
+          <a:off x="10240952" y="4713922"/>
+          <a:ext cx="1949648" cy="2143125"/>
+        </a:xfrm>
+        <a:prstGeom prst="roundRect">
+          <a:avLst>
+            <a:gd name="adj" fmla="val 10000"/>
+          </a:avLst>
+        </a:prstGeom>
+        <a:solidFill>
+          <a:schemeClr val="accent1">
+            <a:hueOff val="0"/>
+            <a:satOff val="0"/>
+            <a:lumOff val="0"/>
+            <a:alphaOff val="0"/>
+          </a:schemeClr>
+        </a:solidFill>
+        <a:ln w="12700" cap="flat" cmpd="sng" algn="ctr">
+          <a:solidFill>
+            <a:schemeClr val="lt1">
+              <a:hueOff val="0"/>
+              <a:satOff val="0"/>
+              <a:lumOff val="0"/>
+              <a:alphaOff val="0"/>
+            </a:schemeClr>
+          </a:solidFill>
+          <a:prstDash val="solid"/>
+          <a:miter lim="800000"/>
+        </a:ln>
+        <a:effectLst/>
+      </dsp:spPr>
+      <dsp:style>
+        <a:lnRef idx="2">
+          <a:scrgbClr r="0" g="0" b="0"/>
+        </a:lnRef>
+        <a:fillRef idx="1">
+          <a:scrgbClr r="0" g="0" b="0"/>
+        </a:fillRef>
+        <a:effectRef idx="0">
+          <a:scrgbClr r="0" g="0" b="0"/>
+        </a:effectRef>
+        <a:fontRef idx="minor">
+          <a:schemeClr val="lt1"/>
+        </a:fontRef>
+      </dsp:style>
+      <dsp:txBody>
+        <a:bodyPr spcFirstLastPara="0" vert="horz" wrap="square" lIns="95250" tIns="95250" rIns="95250" bIns="95250" numCol="1" spcCol="1270" anchor="ctr" anchorCtr="0">
+          <a:noAutofit/>
+        </a:bodyPr>
+        <a:lstStyle/>
+        <a:p>
+          <a:pPr marL="0" lvl="0" indent="0" algn="ctr" defTabSz="1111250">
+            <a:lnSpc>
+              <a:spcPct val="90000"/>
+            </a:lnSpc>
+            <a:spcBef>
+              <a:spcPct val="0"/>
+            </a:spcBef>
+            <a:spcAft>
+              <a:spcPct val="35000"/>
+            </a:spcAft>
+            <a:buNone/>
+          </a:pPr>
+          <a:r>
+            <a:rPr lang="en-US" sz="2500" kern="1200"/>
+            <a:t>IdeaDetailed</a:t>
+          </a:r>
+          <a:endParaRPr lang="ru-KZ" sz="2500" kern="1200" dirty="0"/>
+        </a:p>
+      </dsp:txBody>
+      <dsp:txXfrm>
+        <a:off x="10298055" y="4771025"/>
+        <a:ext cx="1835442" cy="2028919"/>
+      </dsp:txXfrm>
+    </dsp:sp>
+  </dsp:spTree>
+</dsp:drawing>
+</file>
+
+<file path=ppt/diagrams/layout1.xml><?xml version="1.0" encoding="utf-8"?>
+<dgm:layoutDef xmlns:dgm="http://schemas.openxmlformats.org/drawingml/2006/diagram" xmlns:a="http://schemas.openxmlformats.org/drawingml/2006/main" uniqueId="urn:microsoft.com/office/officeart/2005/8/layout/hierarchy4">
+  <dgm:title val=""/>
+  <dgm:desc val=""/>
+  <dgm:catLst>
+    <dgm:cat type="hierarchy" pri="4000"/>
+    <dgm:cat type="list" pri="24000"/>
+    <dgm:cat type="relationship" pri="10000"/>
+  </dgm:catLst>
+  <dgm:sampData>
+    <dgm:dataModel>
+      <dgm:ptLst>
+        <dgm:pt modelId="0" type="doc"/>
+        <dgm:pt modelId="1">
+          <dgm:prSet phldr="1"/>
+        </dgm:pt>
+        <dgm:pt modelId="2">
+          <dgm:prSet phldr="1"/>
+        </dgm:pt>
+        <dgm:pt modelId="21">
+          <dgm:prSet phldr="1"/>
+        </dgm:pt>
+        <dgm:pt modelId="22">
+          <dgm:prSet phldr="1"/>
+        </dgm:pt>
+        <dgm:pt modelId="3">
+          <dgm:prSet phldr="1"/>
+        </dgm:pt>
+        <dgm:pt modelId="31">
+          <dgm:prSet phldr="1"/>
+        </dgm:pt>
+      </dgm:ptLst>
+      <dgm:cxnLst>
+        <dgm:cxn modelId="4" srcId="0" destId="1" srcOrd="0" destOrd="0"/>
+        <dgm:cxn modelId="5" srcId="1" destId="2" srcOrd="0" destOrd="0"/>
+        <dgm:cxn modelId="6" srcId="1" destId="3" srcOrd="1" destOrd="0"/>
+        <dgm:cxn modelId="23" srcId="2" destId="21" srcOrd="0" destOrd="0"/>
+        <dgm:cxn modelId="24" srcId="2" destId="22" srcOrd="1" destOrd="0"/>
+        <dgm:cxn modelId="33" srcId="3" destId="31" srcOrd="0" destOrd="0"/>
+      </dgm:cxnLst>
+      <dgm:bg/>
+      <dgm:whole/>
+    </dgm:dataModel>
+  </dgm:sampData>
+  <dgm:styleData>
+    <dgm:dataModel>
+      <dgm:ptLst>
+        <dgm:pt modelId="0" type="doc"/>
+        <dgm:pt modelId="1"/>
+        <dgm:pt modelId="11"/>
+        <dgm:pt modelId="12"/>
+      </dgm:ptLst>
+      <dgm:cxnLst>
+        <dgm:cxn modelId="2" srcId="0" destId="1" srcOrd="0" destOrd="0"/>
+        <dgm:cxn modelId="13" srcId="1" destId="11" srcOrd="0" destOrd="0"/>
+        <dgm:cxn modelId="14" srcId="1" destId="12" srcOrd="1" destOrd="0"/>
+      </dgm:cxnLst>
+      <dgm:bg/>
+      <dgm:whole/>
+    </dgm:dataModel>
+  </dgm:styleData>
+  <dgm:clrData>
+    <dgm:dataModel>
+      <dgm:ptLst>
+        <dgm:pt modelId="0" type="doc"/>
+        <dgm:pt modelId="1"/>
+        <dgm:pt modelId="2"/>
+        <dgm:pt modelId="21"/>
+        <dgm:pt modelId="211"/>
+        <dgm:pt modelId="3"/>
+        <dgm:pt modelId="31"/>
+        <dgm:pt modelId="311"/>
+      </dgm:ptLst>
+      <dgm:cxnLst>
+        <dgm:cxn modelId="4" srcId="0" destId="1" srcOrd="0" destOrd="0"/>
+        <dgm:cxn modelId="5" srcId="1" destId="2" srcOrd="0" destOrd="0"/>
+        <dgm:cxn modelId="6" srcId="1" destId="3" srcOrd="1" destOrd="0"/>
+        <dgm:cxn modelId="23" srcId="2" destId="21" srcOrd="0" destOrd="0"/>
+        <dgm:cxn modelId="24" srcId="21" destId="211" srcOrd="0" destOrd="0"/>
+        <dgm:cxn modelId="33" srcId="3" destId="31" srcOrd="0" destOrd="0"/>
+        <dgm:cxn modelId="34" srcId="31" destId="311" srcOrd="0" destOrd="0"/>
+      </dgm:cxnLst>
+      <dgm:bg/>
+      <dgm:whole/>
+    </dgm:dataModel>
+  </dgm:clrData>
+  <dgm:layoutNode name="Name0">
+    <dgm:varLst>
+      <dgm:chPref val="1"/>
+      <dgm:dir/>
+      <dgm:animOne val="branch"/>
+      <dgm:animLvl val="lvl"/>
+      <dgm:resizeHandles/>
+    </dgm:varLst>
+    <dgm:choose name="Name1">
+      <dgm:if name="Name2" func="var" arg="dir" op="equ" val="norm">
+        <dgm:alg type="lin">
+          <dgm:param type="linDir" val="fromL"/>
+          <dgm:param type="nodeVertAlign" val="t"/>
+        </dgm:alg>
+      </dgm:if>
+      <dgm:else name="Name3">
+        <dgm:alg type="lin">
+          <dgm:param type="linDir" val="fromR"/>
+          <dgm:param type="nodeVertAlign" val="t"/>
+        </dgm:alg>
+      </dgm:else>
+    </dgm:choose>
+    <dgm:shape xmlns:r="http://schemas.openxmlformats.org/officeDocument/2006/relationships" r:blip="">
+      <dgm:adjLst/>
+    </dgm:shape>
+    <dgm:presOf/>
+    <dgm:constrLst>
+      <dgm:constr type="w" for="ch" forName="vertOne" refType="w"/>
+      <dgm:constr type="w" for="des" forName="horzOne" refType="w"/>
+      <dgm:constr type="w" for="des" forName="txOne" refType="w"/>
+      <dgm:constr type="w" for="des" forName="vertTwo" refType="w"/>
+      <dgm:constr type="w" for="des" forName="horzTwo" refType="w"/>
+      <dgm:constr type="w" for="des" forName="txTwo" refType="w"/>
+      <dgm:constr type="w" for="des" forName="vertThree" refType="w"/>
+      <dgm:constr type="w" for="des" forName="horzThree" refType="w"/>
+      <dgm:constr type="w" for="des" forName="txThree" refType="w"/>
+      <dgm:constr type="w" for="des" forName="vertFour" refType="w"/>
+      <dgm:constr type="w" for="des" forName="horzFour" refType="w"/>
+      <dgm:constr type="w" for="des" forName="txFour" refType="w"/>
+      <dgm:constr type="h" for="des" ptType="node" op="equ"/>
+      <dgm:constr type="h" for="des" forName="txOne" refType="h"/>
+      <dgm:constr type="userH" for="des" ptType="node" refType="h" refFor="des" refForName="txOne"/>
+      <dgm:constr type="primFontSz" for="des" forName="txOne" val="65"/>
+      <dgm:constr type="primFontSz" for="des" forName="txTwo" val="65"/>
+      <dgm:constr type="primFontSz" for="des" forName="txTwo" refType="primFontSz" refFor="des" refForName="txOne" op="lte"/>
+      <dgm:constr type="primFontSz" for="des" forName="txThree" val="65"/>
+      <dgm:constr type="primFontSz" for="des" forName="txThree" refType="primFontSz" refFor="des" refForName="txOne" op="lte"/>
+      <dgm:constr type="primFontSz" for="des" forName="txThree" refType="primFontSz" refFor="des" refForName="txTwo" op="lte"/>
+      <dgm:constr type="primFontSz" for="des" forName="txFour" val="65"/>
+      <dgm:constr type="primFontSz" for="des" forName="txFour" refType="primFontSz" refFor="des" refForName="txOne" op="lte"/>
+      <dgm:constr type="primFontSz" for="des" forName="txFour" refType="primFontSz" refFor="des" refForName="txTwo" op="lte"/>
+      <dgm:constr type="primFontSz" for="des" forName="txFour" refType="primFontSz" refFor="des" refForName="txThree" op="lte"/>
+      <dgm:constr type="w" for="des" forName="sibSpaceOne" refType="w" fact="0.168"/>
+      <dgm:constr type="w" for="des" forName="sibSpaceTwo" refType="w" refFor="des" refForName="sibSpaceOne" op="equ" fact="0.5"/>
+      <dgm:constr type="w" for="des" forName="sibSpaceThree" refType="w" refFor="des" refForName="sibSpaceTwo" op="equ" fact="0.5"/>
+      <dgm:constr type="w" for="des" forName="sibSpaceFour" refType="w" refFor="des" refForName="sibSpaceThree" op="equ" fact="0.5"/>
+      <dgm:constr type="h" for="des" forName="parTransOne" refType="w" fact="0.056"/>
+      <dgm:constr type="h" for="des" forName="parTransTwo" refType="h" refFor="des" refForName="parTransOne" op="equ"/>
+      <dgm:constr type="h" for="des" forName="parTransThree" refType="h" refFor="des" refForName="parTransTwo" op="equ"/>
+      <dgm:constr type="h" for="des" forName="parTransFour" refType="h" refFor="des" refForName="parTransThree" op="equ"/>
+    </dgm:constrLst>
+    <dgm:ruleLst/>
+    <dgm:forEach name="Name4" axis="ch" ptType="node">
+      <dgm:layoutNode name="vertOne">
+        <dgm:alg type="lin">
+          <dgm:param type="linDir" val="fromT"/>
+        </dgm:alg>
+        <dgm:shape xmlns:r="http://schemas.openxmlformats.org/officeDocument/2006/relationships" r:blip="">
+          <dgm:adjLst/>
+        </dgm:shape>
+        <dgm:presOf/>
+        <dgm:constrLst>
+          <dgm:constr type="w" for="ch" forName="txOne" refType="w" refFor="ch" refForName="horzOne" op="gte"/>
+        </dgm:constrLst>
+        <dgm:ruleLst/>
+        <dgm:layoutNode name="txOne" styleLbl="node0">
+          <dgm:varLst>
+            <dgm:chPref val="3"/>
+          </dgm:varLst>
+          <dgm:alg type="tx"/>
+          <dgm:shape xmlns:r="http://schemas.openxmlformats.org/officeDocument/2006/relationships" type="roundRect" r:blip="">
+            <dgm:adjLst>
+              <dgm:adj idx="1" val="0.1"/>
+            </dgm:adjLst>
+          </dgm:shape>
+          <dgm:presOf axis="self"/>
+          <dgm:constrLst>
+            <dgm:constr type="tMarg" refType="primFontSz" fact="0.3"/>
+            <dgm:constr type="bMarg" refType="primFontSz" fact="0.3"/>
+            <dgm:constr type="lMarg" refType="primFontSz" fact="0.3"/>
+            <dgm:constr type="rMarg" refType="primFontSz" fact="0.3"/>
+          </dgm:constrLst>
+          <dgm:ruleLst>
+            <dgm:rule type="primFontSz" val="5" fact="NaN" max="NaN"/>
+          </dgm:ruleLst>
+        </dgm:layoutNode>
+        <dgm:choose name="Name5">
+          <dgm:if name="Name6" axis="des" ptType="node" func="cnt" op="gt" val="0">
+            <dgm:layoutNode name="parTransOne">
+              <dgm:alg type="sp"/>
+              <dgm:shape xmlns:r="http://schemas.openxmlformats.org/officeDocument/2006/relationships" r:blip="">
+                <dgm:adjLst/>
+              </dgm:shape>
+              <dgm:presOf/>
+              <dgm:constrLst/>
+              <dgm:ruleLst/>
+            </dgm:layoutNode>
+          </dgm:if>
+          <dgm:else name="Name7"/>
+        </dgm:choose>
+        <dgm:layoutNode name="horzOne">
+          <dgm:choose name="Name8">
+            <dgm:if name="Name9" func="var" arg="dir" op="equ" val="norm">
+              <dgm:alg type="lin">
+                <dgm:param type="linDir" val="fromL"/>
+                <dgm:param type="nodeVertAlign" val="t"/>
+              </dgm:alg>
+            </dgm:if>
+            <dgm:else name="Name10">
+              <dgm:alg type="lin">
+                <dgm:param type="linDir" val="fromR"/>
+                <dgm:param type="nodeVertAlign" val="t"/>
+              </dgm:alg>
+            </dgm:else>
+          </dgm:choose>
+          <dgm:shape xmlns:r="http://schemas.openxmlformats.org/officeDocument/2006/relationships" r:blip="">
+            <dgm:adjLst/>
+          </dgm:shape>
+          <dgm:presOf/>
+          <dgm:constrLst/>
+          <dgm:ruleLst>
+            <dgm:rule type="w" val="INF" fact="NaN" max="NaN"/>
+          </dgm:ruleLst>
+          <dgm:forEach name="Name11" axis="ch" ptType="node">
+            <dgm:layoutNode name="vertTwo">
+              <dgm:alg type="lin">
+                <dgm:param type="linDir" val="fromT"/>
+              </dgm:alg>
+              <dgm:shape xmlns:r="http://schemas.openxmlformats.org/officeDocument/2006/relationships" r:blip="">
+                <dgm:adjLst/>
+              </dgm:shape>
+              <dgm:presOf/>
+              <dgm:constrLst>
+                <dgm:constr type="w" for="ch" forName="txTwo" refType="w" refFor="ch" refForName="horzTwo" op="gte"/>
+              </dgm:constrLst>
+              <dgm:ruleLst/>
+              <dgm:layoutNode name="txTwo">
+                <dgm:varLst>
+                  <dgm:chPref val="3"/>
+                </dgm:varLst>
+                <dgm:alg type="tx"/>
+                <dgm:shape xmlns:r="http://schemas.openxmlformats.org/officeDocument/2006/relationships" type="roundRect" r:blip="">
+                  <dgm:adjLst>
+                    <dgm:adj idx="1" val="0.1"/>
+                  </dgm:adjLst>
+                </dgm:shape>
+                <dgm:presOf axis="self"/>
+                <dgm:constrLst>
+                  <dgm:constr type="userH"/>
+                  <dgm:constr type="h" refType="userH"/>
+                  <dgm:constr type="tMarg" refType="primFontSz" fact="0.3"/>
+                  <dgm:constr type="bMarg" refType="primFontSz" fact="0.3"/>
+                  <dgm:constr type="lMarg" refType="primFontSz" fact="0.3"/>
+                  <dgm:constr type="rMarg" refType="primFontSz" fact="0.3"/>
+                </dgm:constrLst>
+                <dgm:ruleLst>
+                  <dgm:rule type="primFontSz" val="5" fact="NaN" max="NaN"/>
+                </dgm:ruleLst>
+              </dgm:layoutNode>
+              <dgm:choose name="Name12">
+                <dgm:if name="Name13" axis="des" ptType="node" func="cnt" op="gt" val="0">
+                  <dgm:layoutNode name="parTransTwo">
+                    <dgm:alg type="sp"/>
+                    <dgm:shape xmlns:r="http://schemas.openxmlformats.org/officeDocument/2006/relationships" r:blip="">
+                      <dgm:adjLst/>
+                    </dgm:shape>
+                    <dgm:presOf/>
+                    <dgm:constrLst/>
+                    <dgm:ruleLst/>
+                  </dgm:layoutNode>
+                </dgm:if>
+                <dgm:else name="Name14"/>
+              </dgm:choose>
+              <dgm:layoutNode name="horzTwo">
+                <dgm:choose name="Name15">
+                  <dgm:if name="Name16" func="var" arg="dir" op="equ" val="norm">
+                    <dgm:alg type="lin">
+                      <dgm:param type="linDir" val="fromL"/>
+                      <dgm:param type="nodeVertAlign" val="t"/>
+                    </dgm:alg>
+                  </dgm:if>
+                  <dgm:else name="Name17">
+                    <dgm:alg type="lin">
+                      <dgm:param type="linDir" val="fromR"/>
+                      <dgm:param type="nodeVertAlign" val="t"/>
+                    </dgm:alg>
+                  </dgm:else>
+                </dgm:choose>
+                <dgm:shape xmlns:r="http://schemas.openxmlformats.org/officeDocument/2006/relationships" r:blip="">
+                  <dgm:adjLst/>
+                </dgm:shape>
+                <dgm:presOf/>
+                <dgm:constrLst/>
+                <dgm:ruleLst>
+                  <dgm:rule type="w" val="INF" fact="NaN" max="NaN"/>
+                </dgm:ruleLst>
+                <dgm:forEach name="Name18" axis="ch" ptType="node">
+                  <dgm:layoutNode name="vertThree">
+                    <dgm:alg type="lin">
+                      <dgm:param type="linDir" val="fromT"/>
+                    </dgm:alg>
+                    <dgm:shape xmlns:r="http://schemas.openxmlformats.org/officeDocument/2006/relationships" r:blip="">
+                      <dgm:adjLst/>
+                    </dgm:shape>
+                    <dgm:presOf/>
+                    <dgm:constrLst>
+                      <dgm:constr type="w" for="ch" forName="txThree" refType="w" refFor="ch" refForName="horzThree" op="gte"/>
+                    </dgm:constrLst>
+                    <dgm:ruleLst/>
+                    <dgm:layoutNode name="txThree">
+                      <dgm:varLst>
+                        <dgm:chPref val="3"/>
+                      </dgm:varLst>
+                      <dgm:alg type="tx"/>
+                      <dgm:shape xmlns:r="http://schemas.openxmlformats.org/officeDocument/2006/relationships" type="roundRect" r:blip="">
+                        <dgm:adjLst>
+                          <dgm:adj idx="1" val="0.1"/>
+                        </dgm:adjLst>
+                      </dgm:shape>
+                      <dgm:presOf axis="self"/>
+                      <dgm:constrLst>
+                        <dgm:constr type="userH"/>
+                        <dgm:constr type="h" refType="userH"/>
+                        <dgm:constr type="tMarg" refType="primFontSz" fact="0.3"/>
+                        <dgm:constr type="bMarg" refType="primFontSz" fact="0.3"/>
+                        <dgm:constr type="lMarg" refType="primFontSz" fact="0.3"/>
+                        <dgm:constr type="rMarg" refType="primFontSz" fact="0.3"/>
+                      </dgm:constrLst>
+                      <dgm:ruleLst>
+                        <dgm:rule type="primFontSz" val="5" fact="NaN" max="NaN"/>
+                      </dgm:ruleLst>
+                    </dgm:layoutNode>
+                    <dgm:choose name="Name19">
+                      <dgm:if name="Name20" axis="des" ptType="node" func="cnt" op="gt" val="0">
+                        <dgm:layoutNode name="parTransThree">
+                          <dgm:alg type="sp"/>
+                          <dgm:shape xmlns:r="http://schemas.openxmlformats.org/officeDocument/2006/relationships" r:blip="">
+                            <dgm:adjLst/>
+                          </dgm:shape>
+                          <dgm:presOf/>
+                          <dgm:constrLst/>
+                          <dgm:ruleLst/>
+                        </dgm:layoutNode>
+                      </dgm:if>
+                      <dgm:else name="Name21"/>
+                    </dgm:choose>
+                    <dgm:layoutNode name="horzThree">
+                      <dgm:choose name="Name22">
+                        <dgm:if name="Name23" func="var" arg="dir" op="equ" val="norm">
+                          <dgm:alg type="lin">
+                            <dgm:param type="linDir" val="fromL"/>
+                            <dgm:param type="nodeVertAlign" val="t"/>
+                          </dgm:alg>
+                        </dgm:if>
+                        <dgm:else name="Name24">
+                          <dgm:alg type="lin">
+                            <dgm:param type="linDir" val="fromR"/>
+                            <dgm:param type="nodeVertAlign" val="t"/>
+                          </dgm:alg>
+                        </dgm:else>
+                      </dgm:choose>
+                      <dgm:shape xmlns:r="http://schemas.openxmlformats.org/officeDocument/2006/relationships" r:blip="">
+                        <dgm:adjLst/>
+                      </dgm:shape>
+                      <dgm:presOf/>
+                      <dgm:constrLst/>
+                      <dgm:ruleLst>
+                        <dgm:rule type="w" val="INF" fact="NaN" max="NaN"/>
+                      </dgm:ruleLst>
+                      <dgm:forEach name="repeat" axis="ch" ptType="node">
+                        <dgm:layoutNode name="vertFour">
+                          <dgm:varLst>
+                            <dgm:chPref val="3"/>
+                          </dgm:varLst>
+                          <dgm:alg type="lin">
+                            <dgm:param type="linDir" val="fromT"/>
+                          </dgm:alg>
+                          <dgm:shape xmlns:r="http://schemas.openxmlformats.org/officeDocument/2006/relationships" r:blip="">
+                            <dgm:adjLst/>
+                          </dgm:shape>
+                          <dgm:presOf/>
+                          <dgm:constrLst>
+                            <dgm:constr type="w" for="ch" forName="txFour" refType="w" refFor="ch" refForName="horzFour" op="gte"/>
+                          </dgm:constrLst>
+                          <dgm:ruleLst/>
+                          <dgm:layoutNode name="txFour">
+                            <dgm:varLst>
+                              <dgm:chPref val="3"/>
+                            </dgm:varLst>
+                            <dgm:alg type="tx"/>
+                            <dgm:shape xmlns:r="http://schemas.openxmlformats.org/officeDocument/2006/relationships" type="roundRect" r:blip="">
+                              <dgm:adjLst>
+                                <dgm:adj idx="1" val="0.1"/>
+                              </dgm:adjLst>
+                            </dgm:shape>
+                            <dgm:presOf axis="self"/>
+                            <dgm:constrLst>
+                              <dgm:constr type="userH"/>
+                              <dgm:constr type="h" refType="userH"/>
+                              <dgm:constr type="tMarg" refType="primFontSz" fact="0.3"/>
+                              <dgm:constr type="bMarg" refType="primFontSz" fact="0.3"/>
+                              <dgm:constr type="lMarg" refType="primFontSz" fact="0.3"/>
+                              <dgm:constr type="rMarg" refType="primFontSz" fact="0.3"/>
+                            </dgm:constrLst>
+                            <dgm:ruleLst>
+                              <dgm:rule type="primFontSz" val="5" fact="NaN" max="NaN"/>
+                            </dgm:ruleLst>
+                          </dgm:layoutNode>
+                          <dgm:choose name="Name25">
+                            <dgm:if name="Name26" axis="des" ptType="node" func="cnt" op="gt" val="0">
+                              <dgm:layoutNode name="parTransFour">
+                                <dgm:alg type="sp"/>
+                                <dgm:shape xmlns:r="http://schemas.openxmlformats.org/officeDocument/2006/relationships" r:blip="">
+                                  <dgm:adjLst/>
+                                </dgm:shape>
+                                <dgm:presOf/>
+                                <dgm:constrLst/>
+                                <dgm:ruleLst/>
+                              </dgm:layoutNode>
+                            </dgm:if>
+                            <dgm:else name="Name27"/>
+                          </dgm:choose>
+                          <dgm:layoutNode name="horzFour">
+                            <dgm:choose name="Name28">
+                              <dgm:if name="Name29" func="var" arg="dir" op="equ" val="norm">
+                                <dgm:alg type="lin">
+                                  <dgm:param type="linDir" val="fromL"/>
+                                  <dgm:param type="nodeVertAlign" val="t"/>
+                                </dgm:alg>
+                              </dgm:if>
+                              <dgm:else name="Name30">
+                                <dgm:alg type="lin">
+                                  <dgm:param type="linDir" val="fromR"/>
+                                  <dgm:param type="nodeVertAlign" val="t"/>
+                                </dgm:alg>
+                              </dgm:else>
+                            </dgm:choose>
+                            <dgm:shape xmlns:r="http://schemas.openxmlformats.org/officeDocument/2006/relationships" r:blip="">
+                              <dgm:adjLst/>
+                            </dgm:shape>
+                            <dgm:presOf/>
+                            <dgm:constrLst/>
+                            <dgm:ruleLst>
+                              <dgm:rule type="w" val="INF" fact="NaN" max="NaN"/>
+                            </dgm:ruleLst>
+                            <dgm:forEach name="Name31" ref="repeat"/>
+                          </dgm:layoutNode>
+                        </dgm:layoutNode>
+                        <dgm:choose name="Name32">
+                          <dgm:if name="Name33" axis="self" ptType="node" func="revPos" op="gte" val="2">
+                            <dgm:forEach name="Name34" axis="followSib" ptType="sibTrans" cnt="1">
+                              <dgm:layoutNode name="sibSpaceFour">
+                                <dgm:alg type="sp"/>
+                                <dgm:shape xmlns:r="http://schemas.openxmlformats.org/officeDocument/2006/relationships" r:blip="">
+                                  <dgm:adjLst/>
+                                </dgm:shape>
+                                <dgm:presOf/>
+                                <dgm:constrLst/>
+                                <dgm:ruleLst/>
+                              </dgm:layoutNode>
+                            </dgm:forEach>
+                          </dgm:if>
+                          <dgm:else name="Name35"/>
+                        </dgm:choose>
+                      </dgm:forEach>
+                    </dgm:layoutNode>
+                  </dgm:layoutNode>
+                  <dgm:choose name="Name36">
+                    <dgm:if name="Name37" axis="self" ptType="node" func="revPos" op="gte" val="2">
+                      <dgm:forEach name="Name38" axis="followSib" ptType="sibTrans" cnt="1">
+                        <dgm:layoutNode name="sibSpaceThree">
+                          <dgm:alg type="sp"/>
+                          <dgm:shape xmlns:r="http://schemas.openxmlformats.org/officeDocument/2006/relationships" r:blip="">
+                            <dgm:adjLst/>
+                          </dgm:shape>
+                          <dgm:presOf/>
+                          <dgm:constrLst/>
+                          <dgm:ruleLst/>
+                        </dgm:layoutNode>
+                      </dgm:forEach>
+                    </dgm:if>
+                    <dgm:else name="Name39"/>
+                  </dgm:choose>
+                </dgm:forEach>
+              </dgm:layoutNode>
+            </dgm:layoutNode>
+            <dgm:choose name="Name40">
+              <dgm:if name="Name41" axis="self" ptType="node" func="revPos" op="gte" val="2">
+                <dgm:forEach name="Name42" axis="followSib" ptType="sibTrans" cnt="1">
+                  <dgm:layoutNode name="sibSpaceTwo">
+                    <dgm:alg type="sp"/>
+                    <dgm:shape xmlns:r="http://schemas.openxmlformats.org/officeDocument/2006/relationships" r:blip="">
+                      <dgm:adjLst/>
+                    </dgm:shape>
+                    <dgm:presOf/>
+                    <dgm:constrLst/>
+                    <dgm:ruleLst/>
+                  </dgm:layoutNode>
+                </dgm:forEach>
+              </dgm:if>
+              <dgm:else name="Name43"/>
+            </dgm:choose>
+          </dgm:forEach>
+        </dgm:layoutNode>
+      </dgm:layoutNode>
+      <dgm:choose name="Name44">
+        <dgm:if name="Name45" axis="self" ptType="node" func="revPos" op="gte" val="2">
+          <dgm:forEach name="Name46" axis="followSib" ptType="sibTrans" cnt="1">
+            <dgm:layoutNode name="sibSpaceOne">
+              <dgm:alg type="sp"/>
+              <dgm:shape xmlns:r="http://schemas.openxmlformats.org/officeDocument/2006/relationships" r:blip="">
+                <dgm:adjLst/>
+              </dgm:shape>
+              <dgm:presOf/>
+              <dgm:constrLst/>
+              <dgm:ruleLst/>
+            </dgm:layoutNode>
+          </dgm:forEach>
+        </dgm:if>
+        <dgm:else name="Name47"/>
+      </dgm:choose>
+    </dgm:forEach>
+  </dgm:layoutNode>
+</dgm:layoutDef>
+</file>
+
+<file path=ppt/diagrams/quickStyle1.xml><?xml version="1.0" encoding="utf-8"?>
+<dgm:styleDef xmlns:dgm="http://schemas.openxmlformats.org/drawingml/2006/diagram" xmlns:a="http://schemas.openxmlformats.org/drawingml/2006/main" uniqueId="urn:microsoft.com/office/officeart/2005/8/quickstyle/simple1">
+  <dgm:title val=""/>
+  <dgm:desc val=""/>
+  <dgm:catLst>
+    <dgm:cat type="simple" pri="10100"/>
+  </dgm:catLst>
+  <dgm:scene3d>
+    <a:camera prst="orthographicFront"/>
+    <a:lightRig rig="threePt" dir="t"/>
+  </dgm:scene3d>
+  <dgm:styleLbl name="node0">
+    <dgm:scene3d>
+      <a:camera prst="orthographicFront"/>
+      <a:lightRig rig="threePt" dir="t"/>
+    </dgm:scene3d>
+    <dgm:sp3d/>
+    <dgm:txPr/>
+    <dgm:style>
+      <a:lnRef idx="2">
+        <a:scrgbClr r="0" g="0" b="0"/>
+      </a:lnRef>
+      <a:fillRef idx="1">
+        <a:scrgbClr r="0" g="0" b="0"/>
+      </a:fillRef>
+      <a:effectRef idx="0">
+        <a:scrgbClr r="0" g="0" b="0"/>
+      </a:effectRef>
+      <a:fontRef idx="minor">
+        <a:schemeClr val="lt1"/>
+      </a:fontRef>
+    </dgm:style>
+  </dgm:styleLbl>
+  <dgm:styleLbl name="lnNode1">
+    <dgm:scene3d>
+      <a:camera prst="orthographicFront"/>
+      <a:lightRig rig="threePt" dir="t"/>
+    </dgm:scene3d>
+    <dgm:sp3d/>
+    <dgm:txPr/>
+    <dgm:style>
+      <a:lnRef idx="2">
+        <a:scrgbClr r="0" g="0" b="0"/>
+      </a:lnRef>
+      <a:fillRef idx="1">
+        <a:scrgbClr r="0" g="0" b="0"/>
+      </a:fillRef>
+      <a:effectRef idx="0">
+        <a:scrgbClr r="0" g="0" b="0"/>
+      </a:effectRef>
+      <a:fontRef idx="minor">
+        <a:schemeClr val="lt1"/>
+      </a:fontRef>
+    </dgm:style>
+  </dgm:styleLbl>
+  <dgm:styleLbl name="vennNode1">
+    <dgm:scene3d>
+      <a:camera prst="orthographicFront"/>
+      <a:lightRig rig="threePt" dir="t"/>
+    </dgm:scene3d>
+    <dgm:sp3d/>
+    <dgm:txPr/>
+    <dgm:style>
+      <a:lnRef idx="2">
+        <a:scrgbClr r="0" g="0" b="0"/>
+      </a:lnRef>
+      <a:fillRef idx="1">
+        <a:scrgbClr r="0" g="0" b="0"/>
+      </a:fillRef>
+      <a:effectRef idx="0">
+        <a:scrgbClr r="0" g="0" b="0"/>
+      </a:effectRef>
+      <a:fontRef idx="minor">
+        <a:schemeClr val="tx1"/>
+      </a:fontRef>
+    </dgm:style>
+  </dgm:styleLbl>
+  <dgm:styleLbl name="alignNode1">
+    <dgm:scene3d>
+      <a:camera prst="orthographicFront"/>
+      <a:lightRig rig="threePt" dir="t"/>
+    </dgm:scene3d>
+    <dgm:sp3d/>
+    <dgm:txPr/>
+    <dgm:style>
+      <a:lnRef idx="2">
+        <a:scrgbClr r="0" g="0" b="0"/>
+      </a:lnRef>
+      <a:fillRef idx="1">
+        <a:scrgbClr r="0" g="0" b="0"/>
+      </a:fillRef>
+      <a:effectRef idx="0">
+        <a:scrgbClr r="0" g="0" b="0"/>
+      </a:effectRef>
+      <a:fontRef idx="minor">
+        <a:schemeClr val="lt1"/>
+      </a:fontRef>
+    </dgm:style>
+  </dgm:styleLbl>
+  <dgm:styleLbl name="node1">
+    <dgm:scene3d>
+      <a:camera prst="orthographicFront"/>
+      <a:lightRig rig="threePt" dir="t"/>
+    </dgm:scene3d>
+    <dgm:sp3d/>
+    <dgm:txPr/>
+    <dgm:style>
+      <a:lnRef idx="2">
+        <a:scrgbClr r="0" g="0" b="0"/>
+      </a:lnRef>
+      <a:fillRef idx="1">
+        <a:scrgbClr r="0" g="0" b="0"/>
+      </a:fillRef>
+      <a:effectRef idx="0">
+        <a:scrgbClr r="0" g="0" b="0"/>
+      </a:effectRef>
+      <a:fontRef idx="minor">
+        <a:schemeClr val="lt1"/>
+      </a:fontRef>
+    </dgm:style>
+  </dgm:styleLbl>
+  <dgm:styleLbl name="node2">
+    <dgm:scene3d>
+      <a:camera prst="orthographicFront"/>
+      <a:lightRig rig="threePt" dir="t"/>
+    </dgm:scene3d>
+    <dgm:sp3d/>
+    <dgm:txPr/>
+    <dgm:style>
+      <a:lnRef idx="2">
+        <a:scrgbClr r="0" g="0" b="0"/>
+      </a:lnRef>
+      <a:fillRef idx="1">
+        <a:scrgbClr r="0" g="0" b="0"/>
+      </a:fillRef>
+      <a:effectRef idx="0">
+        <a:scrgbClr r="0" g="0" b="0"/>
+      </a:effectRef>
+      <a:fontRef idx="minor">
+        <a:schemeClr val="lt1"/>
+      </a:fontRef>
+    </dgm:style>
+  </dgm:styleLbl>
+  <dgm:styleLbl name="node3">
+    <dgm:scene3d>
+      <a:camera prst="orthographicFront"/>
+      <a:lightRig rig="threePt" dir="t"/>
+    </dgm:scene3d>
+    <dgm:sp3d/>
+    <dgm:txPr/>
+    <dgm:style>
+      <a:lnRef idx="2">
+        <a:scrgbClr r="0" g="0" b="0"/>
+      </a:lnRef>
+      <a:fillRef idx="1">
+        <a:scrgbClr r="0" g="0" b="0"/>
+      </a:fillRef>
+      <a:effectRef idx="0">
+        <a:scrgbClr r="0" g="0" b="0"/>
+      </a:effectRef>
+      <a:fontRef idx="minor">
+        <a:schemeClr val="lt1"/>
+      </a:fontRef>
+    </dgm:style>
+  </dgm:styleLbl>
+  <dgm:styleLbl name="node4">
+    <dgm:scene3d>
+      <a:camera prst="orthographicFront"/>
+      <a:lightRig rig="threePt" dir="t"/>
+    </dgm:scene3d>
+    <dgm:sp3d/>
+    <dgm:txPr/>
+    <dgm:style>
+      <a:lnRef idx="2">
+        <a:scrgbClr r="0" g="0" b="0"/>
+      </a:lnRef>
+      <a:fillRef idx="1">
+        <a:scrgbClr r="0" g="0" b="0"/>
+      </a:fillRef>
+      <a:effectRef idx="0">
+        <a:scrgbClr r="0" g="0" b="0"/>
+      </a:effectRef>
+      <a:fontRef idx="minor">
+        <a:schemeClr val="lt1"/>
+      </a:fontRef>
+    </dgm:style>
+  </dgm:styleLbl>
+  <dgm:styleLbl name="fgImgPlace1">
+    <dgm:scene3d>
+      <a:camera prst="orthographicFront"/>
+      <a:lightRig rig="threePt" dir="t"/>
+    </dgm:scene3d>
+    <dgm:sp3d/>
+    <dgm:txPr/>
+    <dgm:style>
+      <a:lnRef idx="2">
+        <a:scrgbClr r="0" g="0" b="0"/>
+      </a:lnRef>
+      <a:fillRef idx="1">
+        <a:scrgbClr r="0" g="0" b="0"/>
+      </a:fillRef>
+      <a:effectRef idx="0">
+        <a:scrgbClr r="0" g="0" b="0"/>
+      </a:effectRef>
+      <a:fontRef idx="minor"/>
+    </dgm:style>
+  </dgm:styleLbl>
+  <dgm:styleLbl name="alignImgPlace1">
+    <dgm:scene3d>
+      <a:camera prst="orthographicFront"/>
+      <a:lightRig rig="threePt" dir="t"/>
+    </dgm:scene3d>
+    <dgm:sp3d/>
+    <dgm:txPr/>
+    <dgm:style>
+      <a:lnRef idx="2">
+        <a:scrgbClr r="0" g="0" b="0"/>
+      </a:lnRef>
+      <a:fillRef idx="1">
+        <a:scrgbClr r="0" g="0" b="0"/>
+      </a:fillRef>
+      <a:effectRef idx="0">
+        <a:scrgbClr r="0" g="0" b="0"/>
+      </a:effectRef>
+      <a:fontRef idx="minor"/>
+    </dgm:style>
+  </dgm:styleLbl>
+  <dgm:styleLbl name="bgImgPlace1">
+    <dgm:scene3d>
+      <a:camera prst="orthographicFront"/>
+      <a:lightRig rig="threePt" dir="t"/>
+    </dgm:scene3d>
+    <dgm:sp3d/>
+    <dgm:txPr/>
+    <dgm:style>
+      <a:lnRef idx="2">
+        <a:scrgbClr r="0" g="0" b="0"/>
+      </a:lnRef>
+      <a:fillRef idx="1">
+        <a:scrgbClr r="0" g="0" b="0"/>
+      </a:fillRef>
+      <a:effectRef idx="0">
+        <a:scrgbClr r="0" g="0" b="0"/>
+      </a:effectRef>
+      <a:fontRef idx="minor"/>
+    </dgm:style>
+  </dgm:styleLbl>
+  <dgm:styleLbl name="sibTrans2D1">
+    <dgm:scene3d>
+      <a:camera prst="orthographicFront"/>
+      <a:lightRig rig="threePt" dir="t"/>
+    </dgm:scene3d>
+    <dgm:sp3d/>
+    <dgm:txPr/>
+    <dgm:style>
+      <a:lnRef idx="0">
+        <a:scrgbClr r="0" g="0" b="0"/>
+      </a:lnRef>
+      <a:fillRef idx="1">
+        <a:scrgbClr r="0" g="0" b="0"/>
+      </a:fillRef>
+      <a:effectRef idx="0">
+        <a:scrgbClr r="0" g="0" b="0"/>
+      </a:effectRef>
+      <a:fontRef idx="minor">
+        <a:schemeClr val="lt1"/>
+      </a:fontRef>
+    </dgm:style>
+  </dgm:styleLbl>
+  <dgm:styleLbl name="fgSibTrans2D1">
+    <dgm:scene3d>
+      <a:camera prst="orthographicFront"/>
+      <a:lightRig rig="threePt" dir="t"/>
+    </dgm:scene3d>
+    <dgm:sp3d/>
+    <dgm:txPr/>
+    <dgm:style>
+      <a:lnRef idx="0">
+        <a:scrgbClr r="0" g="0" b="0"/>
+      </a:lnRef>
+      <a:fillRef idx="1">
+        <a:scrgbClr r="0" g="0" b="0"/>
+      </a:fillRef>
+      <a:effectRef idx="0">
+        <a:scrgbClr r="0" g="0" b="0"/>
+      </a:effectRef>
+      <a:fontRef idx="minor">
+        <a:schemeClr val="lt1"/>
+      </a:fontRef>
+    </dgm:style>
+  </dgm:styleLbl>
+  <dgm:styleLbl name="bgSibTrans2D1">
+    <dgm:scene3d>
+      <a:camera prst="orthographicFront"/>
+      <a:lightRig rig="threePt" dir="t"/>
+    </dgm:scene3d>
+    <dgm:sp3d/>
+    <dgm:txPr/>
+    <dgm:style>
+      <a:lnRef idx="0">
+        <a:scrgbClr r="0" g="0" b="0"/>
+      </a:lnRef>
+      <a:fillRef idx="1">
+        <a:scrgbClr r="0" g="0" b="0"/>
+      </a:fillRef>
+      <a:effectRef idx="0">
+        <a:scrgbClr r="0" g="0" b="0"/>
+      </a:effectRef>
+      <a:fontRef idx="minor">
+        <a:schemeClr val="lt1"/>
+      </a:fontRef>
+    </dgm:style>
+  </dgm:styleLbl>
+  <dgm:styleLbl name="sibTrans1D1">
+    <dgm:scene3d>
+      <a:camera prst="orthographicFront"/>
+      <a:lightRig rig="threePt" dir="t"/>
+    </dgm:scene3d>
+    <dgm:sp3d/>
+    <dgm:txPr/>
+    <dgm:style>
+      <a:lnRef idx="1">
+        <a:scrgbClr r="0" g="0" b="0"/>
+      </a:lnRef>
+      <a:fillRef idx="0">
+        <a:scrgbClr r="0" g="0" b="0"/>
+      </a:fillRef>
+      <a:effectRef idx="0">
+        <a:scrgbClr r="0" g="0" b="0"/>
+      </a:effectRef>
+      <a:fontRef idx="minor"/>
+    </dgm:style>
+  </dgm:styleLbl>
+  <dgm:styleLbl name="callout">
+    <dgm:scene3d>
+      <a:camera prst="orthographicFront"/>
+      <a:lightRig rig="threePt" dir="t"/>
+    </dgm:scene3d>
+    <dgm:sp3d/>
+    <dgm:txPr/>
+    <dgm:style>
+      <a:lnRef idx="2">
+        <a:scrgbClr r="0" g="0" b="0"/>
+      </a:lnRef>
+      <a:fillRef idx="1">
+        <a:scrgbClr r="0" g="0" b="0"/>
+      </a:fillRef>
+      <a:effectRef idx="0">
+        <a:scrgbClr r="0" g="0" b="0"/>
+      </a:effectRef>
+      <a:fontRef idx="minor"/>
+    </dgm:style>
+  </dgm:styleLbl>
+  <dgm:styleLbl name="asst0">
+    <dgm:scene3d>
+      <a:camera prst="orthographicFront"/>
+      <a:lightRig rig="threePt" dir="t"/>
+    </dgm:scene3d>
+    <dgm:sp3d/>
+    <dgm:txPr/>
+    <dgm:style>
+      <a:lnRef idx="2">
+        <a:scrgbClr r="0" g="0" b="0"/>
+      </a:lnRef>
+      <a:fillRef idx="1">
+        <a:scrgbClr r="0" g="0" b="0"/>
+      </a:fillRef>
+      <a:effectRef idx="0">
+        <a:scrgbClr r="0" g="0" b="0"/>
+      </a:effectRef>
+      <a:fontRef idx="minor">
+        <a:schemeClr val="lt1"/>
+      </a:fontRef>
+    </dgm:style>
+  </dgm:styleLbl>
+  <dgm:styleLbl name="asst1">
+    <dgm:scene3d>
+      <a:camera prst="orthographicFront"/>
+      <a:lightRig rig="threePt" dir="t"/>
+    </dgm:scene3d>
+    <dgm:sp3d/>
+    <dgm:txPr/>
+    <dgm:style>
+      <a:lnRef idx="2">
+        <a:scrgbClr r="0" g="0" b="0"/>
+      </a:lnRef>
+      <a:fillRef idx="1">
+        <a:scrgbClr r="0" g="0" b="0"/>
+      </a:fillRef>
+      <a:effectRef idx="0">
+        <a:scrgbClr r="0" g="0" b="0"/>
+      </a:effectRef>
+      <a:fontRef idx="minor">
+        <a:schemeClr val="lt1"/>
+      </a:fontRef>
+    </dgm:style>
+  </dgm:styleLbl>
+  <dgm:styleLbl name="asst2">
+    <dgm:scene3d>
+      <a:camera prst="orthographicFront"/>
+      <a:lightRig rig="threePt" dir="t"/>
+    </dgm:scene3d>
+    <dgm:sp3d/>
+    <dgm:txPr/>
+    <dgm:style>
+      <a:lnRef idx="2">
+        <a:scrgbClr r="0" g="0" b="0"/>
+      </a:lnRef>
+      <a:fillRef idx="1">
+        <a:scrgbClr r="0" g="0" b="0"/>
+      </a:fillRef>
+      <a:effectRef idx="0">
+        <a:scrgbClr r="0" g="0" b="0"/>
+      </a:effectRef>
+      <a:fontRef idx="minor">
+        <a:schemeClr val="lt1"/>
+      </a:fontRef>
+    </dgm:style>
+  </dgm:styleLbl>
+  <dgm:styleLbl name="asst3">
+    <dgm:scene3d>
+      <a:camera prst="orthographicFront"/>
+      <a:lightRig rig="threePt" dir="t"/>
+    </dgm:scene3d>
+    <dgm:sp3d/>
+    <dgm:txPr/>
+    <dgm:style>
+      <a:lnRef idx="2">
+        <a:scrgbClr r="0" g="0" b="0"/>
+      </a:lnRef>
+      <a:fillRef idx="1">
+        <a:scrgbClr r="0" g="0" b="0"/>
+      </a:fillRef>
+      <a:effectRef idx="0">
+        <a:scrgbClr r="0" g="0" b="0"/>
+      </a:effectRef>
+      <a:fontRef idx="minor">
+        <a:schemeClr val="lt1"/>
+      </a:fontRef>
+    </dgm:style>
+  </dgm:styleLbl>
+  <dgm:styleLbl name="asst4">
+    <dgm:scene3d>
+      <a:camera prst="orthographicFront"/>
+      <a:lightRig rig="threePt" dir="t"/>
+    </dgm:scene3d>
+    <dgm:sp3d/>
+    <dgm:txPr/>
+    <dgm:style>
+      <a:lnRef idx="2">
+        <a:scrgbClr r="0" g="0" b="0"/>
+      </a:lnRef>
+      <a:fillRef idx="1">
+        <a:scrgbClr r="0" g="0" b="0"/>
+      </a:fillRef>
+      <a:effectRef idx="0">
+        <a:scrgbClr r="0" g="0" b="0"/>
+      </a:effectRef>
+      <a:fontRef idx="minor">
+        <a:schemeClr val="lt1"/>
+      </a:fontRef>
+    </dgm:style>
+  </dgm:styleLbl>
+  <dgm:styleLbl name="parChTrans2D1">
+    <dgm:scene3d>
+      <a:camera prst="orthographicFront"/>
+      <a:lightRig rig="threePt" dir="t"/>
+    </dgm:scene3d>
+    <dgm:sp3d/>
+    <dgm:txPr/>
+    <dgm:style>
+      <a:lnRef idx="2">
+        <a:scrgbClr r="0" g="0" b="0"/>
+      </a:lnRef>
+      <a:fillRef idx="1">
+        <a:scrgbClr r="0" g="0" b="0"/>
+      </a:fillRef>
+      <a:effectRef idx="0">
+        <a:scrgbClr r="0" g="0" b="0"/>
+      </a:effectRef>
+      <a:fontRef idx="minor">
+        <a:schemeClr val="lt1"/>
+      </a:fontRef>
+    </dgm:style>
+  </dgm:styleLbl>
+  <dgm:styleLbl name="parChTrans2D2">
+    <dgm:scene3d>
+      <a:camera prst="orthographicFront"/>
+      <a:lightRig rig="threePt" dir="t"/>
+    </dgm:scene3d>
+    <dgm:sp3d/>
+    <dgm:txPr/>
+    <dgm:style>
+      <a:lnRef idx="2">
+        <a:scrgbClr r="0" g="0" b="0"/>
+      </a:lnRef>
+      <a:fillRef idx="1">
+        <a:scrgbClr r="0" g="0" b="0"/>
+      </a:fillRef>
+      <a:effectRef idx="0">
+        <a:scrgbClr r="0" g="0" b="0"/>
+      </a:effectRef>
+      <a:fontRef idx="minor">
+        <a:schemeClr val="lt1"/>
+      </a:fontRef>
+    </dgm:style>
+  </dgm:styleLbl>
+  <dgm:styleLbl name="parChTrans2D3">
+    <dgm:scene3d>
+      <a:camera prst="orthographicFront"/>
+      <a:lightRig rig="threePt" dir="t"/>
+    </dgm:scene3d>
+    <dgm:sp3d/>
+    <dgm:txPr/>
+    <dgm:style>
+      <a:lnRef idx="2">
+        <a:scrgbClr r="0" g="0" b="0"/>
+      </a:lnRef>
+      <a:fillRef idx="1">
+        <a:scrgbClr r="0" g="0" b="0"/>
+      </a:fillRef>
+      <a:effectRef idx="0">
+        <a:scrgbClr r="0" g="0" b="0"/>
+      </a:effectRef>
+      <a:fontRef idx="minor">
+        <a:schemeClr val="lt1"/>
+      </a:fontRef>
+    </dgm:style>
+  </dgm:styleLbl>
+  <dgm:styleLbl name="parChTrans2D4">
+    <dgm:scene3d>
+      <a:camera prst="orthographicFront"/>
+      <a:lightRig rig="threePt" dir="t"/>
+    </dgm:scene3d>
+    <dgm:sp3d/>
+    <dgm:txPr/>
+    <dgm:style>
+      <a:lnRef idx="2">
+        <a:scrgbClr r="0" g="0" b="0"/>
+      </a:lnRef>
+      <a:fillRef idx="1">
+        <a:scrgbClr r="0" g="0" b="0"/>
+      </a:fillRef>
+      <a:effectRef idx="0">
+        <a:scrgbClr r="0" g="0" b="0"/>
+      </a:effectRef>
+      <a:fontRef idx="minor">
+        <a:schemeClr val="lt1"/>
+      </a:fontRef>
+    </dgm:style>
+  </dgm:styleLbl>
+  <dgm:styleLbl name="parChTrans1D1">
+    <dgm:scene3d>
+      <a:camera prst="orthographicFront"/>
+      <a:lightRig rig="threePt" dir="t"/>
+    </dgm:scene3d>
+    <dgm:sp3d/>
+    <dgm:txPr/>
+    <dgm:style>
+      <a:lnRef idx="2">
+        <a:scrgbClr r="0" g="0" b="0"/>
+      </a:lnRef>
+      <a:fillRef idx="0">
+        <a:scrgbClr r="0" g="0" b="0"/>
+      </a:fillRef>
+      <a:effectRef idx="0">
+        <a:scrgbClr r="0" g="0" b="0"/>
+      </a:effectRef>
+      <a:fontRef idx="minor"/>
+    </dgm:style>
+  </dgm:styleLbl>
+  <dgm:styleLbl name="parChTrans1D2">
+    <dgm:scene3d>
+      <a:camera prst="orthographicFront"/>
+      <a:lightRig rig="threePt" dir="t"/>
+    </dgm:scene3d>
+    <dgm:sp3d/>
+    <dgm:txPr/>
+    <dgm:style>
+      <a:lnRef idx="2">
+        <a:scrgbClr r="0" g="0" b="0"/>
+      </a:lnRef>
+      <a:fillRef idx="0">
+        <a:scrgbClr r="0" g="0" b="0"/>
+      </a:fillRef>
+      <a:effectRef idx="0">
+        <a:scrgbClr r="0" g="0" b="0"/>
+      </a:effectRef>
+      <a:fontRef idx="minor"/>
+    </dgm:style>
+  </dgm:styleLbl>
+  <dgm:styleLbl name="parChTrans1D3">
+    <dgm:scene3d>
+      <a:camera prst="orthographicFront"/>
+      <a:lightRig rig="threePt" dir="t"/>
+    </dgm:scene3d>
+    <dgm:sp3d/>
+    <dgm:txPr/>
+    <dgm:style>
+      <a:lnRef idx="2">
+        <a:scrgbClr r="0" g="0" b="0"/>
+      </a:lnRef>
+      <a:fillRef idx="0">
+        <a:scrgbClr r="0" g="0" b="0"/>
+      </a:fillRef>
+      <a:effectRef idx="0">
+        <a:scrgbClr r="0" g="0" b="0"/>
+      </a:effectRef>
+      <a:fontRef idx="minor"/>
+    </dgm:style>
+  </dgm:styleLbl>
+  <dgm:styleLbl name="parChTrans1D4">
+    <dgm:scene3d>
+      <a:camera prst="orthographicFront"/>
+      <a:lightRig rig="threePt" dir="t"/>
+    </dgm:scene3d>
+    <dgm:sp3d/>
+    <dgm:txPr/>
+    <dgm:style>
+      <a:lnRef idx="2">
+        <a:scrgbClr r="0" g="0" b="0"/>
+      </a:lnRef>
+      <a:fillRef idx="0">
+        <a:scrgbClr r="0" g="0" b="0"/>
+      </a:fillRef>
+      <a:effectRef idx="0">
+        <a:scrgbClr r="0" g="0" b="0"/>
+      </a:effectRef>
+      <a:fontRef idx="minor"/>
+    </dgm:style>
+  </dgm:styleLbl>
+  <dgm:styleLbl name="fgAcc1">
+    <dgm:scene3d>
+      <a:camera prst="orthographicFront"/>
+      <a:lightRig rig="threePt" dir="t"/>
+    </dgm:scene3d>
+    <dgm:sp3d/>
+    <dgm:txPr/>
+    <dgm:style>
+      <a:lnRef idx="2">
+        <a:scrgbClr r="0" g="0" b="0"/>
+      </a:lnRef>
+      <a:fillRef idx="1">
+        <a:scrgbClr r="0" g="0" b="0"/>
+      </a:fillRef>
+      <a:effectRef idx="0">
+        <a:scrgbClr r="0" g="0" b="0"/>
+      </a:effectRef>
+      <a:fontRef idx="minor"/>
+    </dgm:style>
+  </dgm:styleLbl>
+  <dgm:styleLbl name="conFgAcc1">
+    <dgm:scene3d>
+      <a:camera prst="orthographicFront"/>
+      <a:lightRig rig="threePt" dir="t"/>
+    </dgm:scene3d>
+    <dgm:sp3d/>
+    <dgm:txPr/>
+    <dgm:style>
+      <a:lnRef idx="2">
+        <a:scrgbClr r="0" g="0" b="0"/>
+      </a:lnRef>
+      <a:fillRef idx="1">
+        <a:scrgbClr r="0" g="0" b="0"/>
+      </a:fillRef>
+      <a:effectRef idx="0">
+        <a:scrgbClr r="0" g="0" b="0"/>
+      </a:effectRef>
+      <a:fontRef idx="minor"/>
+    </dgm:style>
+  </dgm:styleLbl>
+  <dgm:styleLbl name="alignAcc1">
+    <dgm:scene3d>
+      <a:camera prst="orthographicFront"/>
+      <a:lightRig rig="threePt" dir="t"/>
+    </dgm:scene3d>
+    <dgm:sp3d/>
+    <dgm:txPr/>
+    <dgm:style>
+      <a:lnRef idx="2">
+        <a:scrgbClr r="0" g="0" b="0"/>
+      </a:lnRef>
+      <a:fillRef idx="1">
+        <a:scrgbClr r="0" g="0" b="0"/>
+      </a:fillRef>
+      <a:effectRef idx="0">
+        <a:scrgbClr r="0" g="0" b="0"/>
+      </a:effectRef>
+      <a:fontRef idx="minor"/>
+    </dgm:style>
+  </dgm:styleLbl>
+  <dgm:styleLbl name="trAlignAcc1">
+    <dgm:scene3d>
+      <a:camera prst="orthographicFront"/>
+      <a:lightRig rig="threePt" dir="t"/>
+    </dgm:scene3d>
+    <dgm:sp3d/>
+    <dgm:txPr/>
+    <dgm:style>
+      <a:lnRef idx="1">
+        <a:scrgbClr r="0" g="0" b="0"/>
+      </a:lnRef>
+      <a:fillRef idx="1">
+        <a:scrgbClr r="0" g="0" b="0"/>
+      </a:fillRef>
+      <a:effectRef idx="0">
+        <a:scrgbClr r="0" g="0" b="0"/>
+      </a:effectRef>
+      <a:fontRef idx="minor"/>
+    </dgm:style>
+  </dgm:styleLbl>
+  <dgm:styleLbl name="bgAcc1">
+    <dgm:scene3d>
+      <a:camera prst="orthographicFront"/>
+      <a:lightRig rig="threePt" dir="t"/>
+    </dgm:scene3d>
+    <dgm:sp3d/>
+    <dgm:txPr/>
+    <dgm:style>
+      <a:lnRef idx="2">
+        <a:scrgbClr r="0" g="0" b="0"/>
+      </a:lnRef>
+      <a:fillRef idx="1">
+        <a:scrgbClr r="0" g="0" b="0"/>
+      </a:fillRef>
+      <a:effectRef idx="0">
+        <a:scrgbClr r="0" g="0" b="0"/>
+      </a:effectRef>
+      <a:fontRef idx="minor"/>
+    </dgm:style>
+  </dgm:styleLbl>
+  <dgm:styleLbl name="solidFgAcc1">
+    <dgm:scene3d>
+      <a:camera prst="orthographicFront"/>
+      <a:lightRig rig="threePt" dir="t"/>
+    </dgm:scene3d>
+    <dgm:sp3d/>
+    <dgm:txPr/>
+    <dgm:style>
+      <a:lnRef idx="2">
+        <a:scrgbClr r="0" g="0" b="0"/>
+      </a:lnRef>
+      <a:fillRef idx="1">
+        <a:scrgbClr r="0" g="0" b="0"/>
+      </a:fillRef>
+      <a:effectRef idx="0">
+        <a:scrgbClr r="0" g="0" b="0"/>
+      </a:effectRef>
+      <a:fontRef idx="minor"/>
+    </dgm:style>
+  </dgm:styleLbl>
+  <dgm:styleLbl name="solidAlignAcc1">
+    <dgm:scene3d>
+      <a:camera prst="orthographicFront"/>
+      <a:lightRig rig="threePt" dir="t"/>
+    </dgm:scene3d>
+    <dgm:sp3d/>
+    <dgm:txPr/>
+    <dgm:style>
+      <a:lnRef idx="2">
+        <a:scrgbClr r="0" g="0" b="0"/>
+      </a:lnRef>
+      <a:fillRef idx="1">
+        <a:scrgbClr r="0" g="0" b="0"/>
+      </a:fillRef>
+      <a:effectRef idx="0">
+        <a:scrgbClr r="0" g="0" b="0"/>
+      </a:effectRef>
+      <a:fontRef idx="minor"/>
+    </dgm:style>
+  </dgm:styleLbl>
+  <dgm:styleLbl name="solidBgAcc1">
+    <dgm:scene3d>
+      <a:camera prst="orthographicFront"/>
+      <a:lightRig rig="threePt" dir="t"/>
+    </dgm:scene3d>
+    <dgm:sp3d/>
+    <dgm:txPr/>
+    <dgm:style>
+      <a:lnRef idx="2">
+        <a:scrgbClr r="0" g="0" b="0"/>
+      </a:lnRef>
+      <a:fillRef idx="1">
+        <a:scrgbClr r="0" g="0" b="0"/>
+      </a:fillRef>
+      <a:effectRef idx="0">
+        <a:scrgbClr r="0" g="0" b="0"/>
+      </a:effectRef>
+      <a:fontRef idx="minor"/>
+    </dgm:style>
+  </dgm:styleLbl>
+  <dgm:styleLbl name="fgAccFollowNode1">
+    <dgm:scene3d>
+      <a:camera prst="orthographicFront"/>
+      <a:lightRig rig="threePt" dir="t"/>
+    </dgm:scene3d>
+    <dgm:sp3d/>
+    <dgm:txPr/>
+    <dgm:style>
+      <a:lnRef idx="2">
+        <a:scrgbClr r="0" g="0" b="0"/>
+      </a:lnRef>
+      <a:fillRef idx="1">
+        <a:scrgbClr r="0" g="0" b="0"/>
+      </a:fillRef>
+      <a:effectRef idx="0">
+        <a:scrgbClr r="0" g="0" b="0"/>
+      </a:effectRef>
+      <a:fontRef idx="minor"/>
+    </dgm:style>
+  </dgm:styleLbl>
+  <dgm:styleLbl name="alignAccFollowNode1">
+    <dgm:scene3d>
+      <a:camera prst="orthographicFront"/>
+      <a:lightRig rig="threePt" dir="t"/>
+    </dgm:scene3d>
+    <dgm:sp3d/>
+    <dgm:txPr/>
+    <dgm:style>
+      <a:lnRef idx="2">
+        <a:scrgbClr r="0" g="0" b="0"/>
+      </a:lnRef>
+      <a:fillRef idx="1">
+        <a:scrgbClr r="0" g="0" b="0"/>
+      </a:fillRef>
+      <a:effectRef idx="0">
+        <a:scrgbClr r="0" g="0" b="0"/>
+      </a:effectRef>
+      <a:fontRef idx="minor"/>
+    </dgm:style>
+  </dgm:styleLbl>
+  <dgm:styleLbl name="bgAccFollowNode1">
+    <dgm:scene3d>
+      <a:camera prst="orthographicFront"/>
+      <a:lightRig rig="threePt" dir="t"/>
+    </dgm:scene3d>
+    <dgm:sp3d/>
+    <dgm:txPr/>
+    <dgm:style>
+      <a:lnRef idx="2">
+        <a:scrgbClr r="0" g="0" b="0"/>
+      </a:lnRef>
+      <a:fillRef idx="1">
+        <a:scrgbClr r="0" g="0" b="0"/>
+      </a:fillRef>
+      <a:effectRef idx="0">
+        <a:scrgbClr r="0" g="0" b="0"/>
+      </a:effectRef>
+      <a:fontRef idx="minor"/>
+    </dgm:style>
+  </dgm:styleLbl>
+  <dgm:styleLbl name="fgAcc0">
+    <dgm:scene3d>
+      <a:camera prst="orthographicFront"/>
+      <a:lightRig rig="threePt" dir="t"/>
+    </dgm:scene3d>
+    <dgm:sp3d/>
+    <dgm:txPr/>
+    <dgm:style>
+      <a:lnRef idx="2">
+        <a:scrgbClr r="0" g="0" b="0"/>
+      </a:lnRef>
+      <a:fillRef idx="1">
+        <a:scrgbClr r="0" g="0" b="0"/>
+      </a:fillRef>
+      <a:effectRef idx="0">
+        <a:scrgbClr r="0" g="0" b="0"/>
+      </a:effectRef>
+      <a:fontRef idx="minor"/>
+    </dgm:style>
+  </dgm:styleLbl>
+  <dgm:styleLbl name="fgAcc2">
+    <dgm:scene3d>
+      <a:camera prst="orthographicFront"/>
+      <a:lightRig rig="threePt" dir="t"/>
+    </dgm:scene3d>
+    <dgm:sp3d/>
+    <dgm:txPr/>
+    <dgm:style>
+      <a:lnRef idx="2">
+        <a:scrgbClr r="0" g="0" b="0"/>
+      </a:lnRef>
+      <a:fillRef idx="1">
+        <a:scrgbClr r="0" g="0" b="0"/>
+      </a:fillRef>
+      <a:effectRef idx="0">
+        <a:scrgbClr r="0" g="0" b="0"/>
+      </a:effectRef>
+      <a:fontRef idx="minor"/>
+    </dgm:style>
+  </dgm:styleLbl>
+  <dgm:styleLbl name="fgAcc3">
+    <dgm:scene3d>
+      <a:camera prst="orthographicFront"/>
+      <a:lightRig rig="threePt" dir="t"/>
+    </dgm:scene3d>
+    <dgm:sp3d/>
+    <dgm:txPr/>
+    <dgm:style>
+      <a:lnRef idx="2">
+        <a:scrgbClr r="0" g="0" b="0"/>
+      </a:lnRef>
+      <a:fillRef idx="1">
+        <a:scrgbClr r="0" g="0" b="0"/>
+      </a:fillRef>
+      <a:effectRef idx="0">
+        <a:scrgbClr r="0" g="0" b="0"/>
+      </a:effectRef>
+      <a:fontRef idx="minor"/>
+    </dgm:style>
+  </dgm:styleLbl>
+  <dgm:styleLbl name="fgAcc4">
+    <dgm:scene3d>
+      <a:camera prst="orthographicFront"/>
+      <a:lightRig rig="threePt" dir="t"/>
+    </dgm:scene3d>
+    <dgm:sp3d/>
+    <dgm:txPr/>
+    <dgm:style>
+      <a:lnRef idx="2">
+        <a:scrgbClr r="0" g="0" b="0"/>
+      </a:lnRef>
+      <a:fillRef idx="1">
+        <a:scrgbClr r="0" g="0" b="0"/>
+      </a:fillRef>
+      <a:effectRef idx="0">
+        <a:scrgbClr r="0" g="0" b="0"/>
+      </a:effectRef>
+      <a:fontRef idx="minor"/>
+    </dgm:style>
+  </dgm:styleLbl>
+  <dgm:styleLbl name="bgShp">
+    <dgm:scene3d>
+      <a:camera prst="orthographicFront"/>
+      <a:lightRig rig="threePt" dir="t"/>
+    </dgm:scene3d>
+    <dgm:sp3d/>
+    <dgm:txPr/>
+    <dgm:style>
+      <a:lnRef idx="0">
+        <a:scrgbClr r="0" g="0" b="0"/>
+      </a:lnRef>
+      <a:fillRef idx="1">
+        <a:scrgbClr r="0" g="0" b="0"/>
+      </a:fillRef>
+      <a:effectRef idx="0">
+        <a:scrgbClr r="0" g="0" b="0"/>
+      </a:effectRef>
+      <a:fontRef idx="minor"/>
+    </dgm:style>
+  </dgm:styleLbl>
+  <dgm:styleLbl name="dkBgShp">
+    <dgm:scene3d>
+      <a:camera prst="orthographicFront"/>
+      <a:lightRig rig="threePt" dir="t"/>
+    </dgm:scene3d>
+    <dgm:sp3d/>
+    <dgm:txPr/>
+    <dgm:style>
+      <a:lnRef idx="0">
+        <a:scrgbClr r="0" g="0" b="0"/>
+      </a:lnRef>
+      <a:fillRef idx="1">
+        <a:scrgbClr r="0" g="0" b="0"/>
+      </a:fillRef>
+      <a:effectRef idx="0">
+        <a:scrgbClr r="0" g="0" b="0"/>
+      </a:effectRef>
+      <a:fontRef idx="minor"/>
+    </dgm:style>
+  </dgm:styleLbl>
+  <dgm:styleLbl name="trBgShp">
+    <dgm:scene3d>
+      <a:camera prst="orthographicFront"/>
+      <a:lightRig rig="threePt" dir="t"/>
+    </dgm:scene3d>
+    <dgm:sp3d/>
+    <dgm:txPr/>
+    <dgm:style>
+      <a:lnRef idx="0">
+        <a:scrgbClr r="0" g="0" b="0"/>
+      </a:lnRef>
+      <a:fillRef idx="1">
+        <a:scrgbClr r="0" g="0" b="0"/>
+      </a:fillRef>
+      <a:effectRef idx="0">
+        <a:scrgbClr r="0" g="0" b="0"/>
+      </a:effectRef>
+      <a:fontRef idx="minor"/>
+    </dgm:style>
+  </dgm:styleLbl>
+  <dgm:styleLbl name="fgShp">
+    <dgm:scene3d>
+      <a:camera prst="orthographicFront"/>
+      <a:lightRig rig="threePt" dir="t"/>
+    </dgm:scene3d>
+    <dgm:sp3d/>
+    <dgm:txPr/>
+    <dgm:style>
+      <a:lnRef idx="2">
+        <a:scrgbClr r="0" g="0" b="0"/>
+      </a:lnRef>
+      <a:fillRef idx="1">
+        <a:scrgbClr r="0" g="0" b="0"/>
+      </a:fillRef>
+      <a:effectRef idx="0">
+        <a:scrgbClr r="0" g="0" b="0"/>
+      </a:effectRef>
+      <a:fontRef idx="minor"/>
+    </dgm:style>
+  </dgm:styleLbl>
+  <dgm:styleLbl name="revTx">
+    <dgm:scene3d>
+      <a:camera prst="orthographicFront"/>
+      <a:lightRig rig="threePt" dir="t"/>
+    </dgm:scene3d>
+    <dgm:sp3d/>
+    <dgm:txPr/>
+    <dgm:style>
+      <a:lnRef idx="0">
+        <a:scrgbClr r="0" g="0" b="0"/>
+      </a:lnRef>
+      <a:fillRef idx="0">
+        <a:scrgbClr r="0" g="0" b="0"/>
+      </a:fillRef>
+      <a:effectRef idx="0">
+        <a:scrgbClr r="0" g="0" b="0"/>
+      </a:effectRef>
+      <a:fontRef idx="minor"/>
+    </dgm:style>
+  </dgm:styleLbl>
+</dgm:styleDef>
 </file>
 
 <file path=ppt/slideLayouts/slideLayout1.xml><?xml version="1.0" encoding="utf-8"?>
@@ -256,7 +3908,7 @@
           <a:p>
             <a:fld id="{39D688DE-258D-443B-88E0-FCC3C2A1F406}" type="datetimeFigureOut">
               <a:rPr lang="ru-KZ" smtClean="0"/>
-              <a:t>30.12.2019</a:t>
+              <a:t>06.01.2020</a:t>
             </a:fld>
             <a:endParaRPr lang="ru-KZ"/>
           </a:p>
@@ -456,7 +4108,7 @@
           <a:p>
             <a:fld id="{39D688DE-258D-443B-88E0-FCC3C2A1F406}" type="datetimeFigureOut">
               <a:rPr lang="ru-KZ" smtClean="0"/>
-              <a:t>30.12.2019</a:t>
+              <a:t>06.01.2020</a:t>
             </a:fld>
             <a:endParaRPr lang="ru-KZ"/>
           </a:p>
@@ -666,7 +4318,7 @@
           <a:p>
             <a:fld id="{39D688DE-258D-443B-88E0-FCC3C2A1F406}" type="datetimeFigureOut">
               <a:rPr lang="ru-KZ" smtClean="0"/>
-              <a:t>30.12.2019</a:t>
+              <a:t>06.01.2020</a:t>
             </a:fld>
             <a:endParaRPr lang="ru-KZ"/>
           </a:p>
@@ -866,7 +4518,7 @@
           <a:p>
             <a:fld id="{39D688DE-258D-443B-88E0-FCC3C2A1F406}" type="datetimeFigureOut">
               <a:rPr lang="ru-KZ" smtClean="0"/>
-              <a:t>30.12.2019</a:t>
+              <a:t>06.01.2020</a:t>
             </a:fld>
             <a:endParaRPr lang="ru-KZ"/>
           </a:p>
@@ -1142,7 +4794,7 @@
           <a:p>
             <a:fld id="{39D688DE-258D-443B-88E0-FCC3C2A1F406}" type="datetimeFigureOut">
               <a:rPr lang="ru-KZ" smtClean="0"/>
-              <a:t>30.12.2019</a:t>
+              <a:t>06.01.2020</a:t>
             </a:fld>
             <a:endParaRPr lang="ru-KZ"/>
           </a:p>
@@ -1410,7 +5062,7 @@
           <a:p>
             <a:fld id="{39D688DE-258D-443B-88E0-FCC3C2A1F406}" type="datetimeFigureOut">
               <a:rPr lang="ru-KZ" smtClean="0"/>
-              <a:t>30.12.2019</a:t>
+              <a:t>06.01.2020</a:t>
             </a:fld>
             <a:endParaRPr lang="ru-KZ"/>
           </a:p>
@@ -1825,7 +5477,7 @@
           <a:p>
             <a:fld id="{39D688DE-258D-443B-88E0-FCC3C2A1F406}" type="datetimeFigureOut">
               <a:rPr lang="ru-KZ" smtClean="0"/>
-              <a:t>30.12.2019</a:t>
+              <a:t>06.01.2020</a:t>
             </a:fld>
             <a:endParaRPr lang="ru-KZ"/>
           </a:p>
@@ -1967,7 +5619,7 @@
           <a:p>
             <a:fld id="{39D688DE-258D-443B-88E0-FCC3C2A1F406}" type="datetimeFigureOut">
               <a:rPr lang="ru-KZ" smtClean="0"/>
-              <a:t>30.12.2019</a:t>
+              <a:t>06.01.2020</a:t>
             </a:fld>
             <a:endParaRPr lang="ru-KZ"/>
           </a:p>
@@ -2080,7 +5732,7 @@
           <a:p>
             <a:fld id="{39D688DE-258D-443B-88E0-FCC3C2A1F406}" type="datetimeFigureOut">
               <a:rPr lang="ru-KZ" smtClean="0"/>
-              <a:t>30.12.2019</a:t>
+              <a:t>06.01.2020</a:t>
             </a:fld>
             <a:endParaRPr lang="ru-KZ"/>
           </a:p>
@@ -2393,7 +6045,7 @@
           <a:p>
             <a:fld id="{39D688DE-258D-443B-88E0-FCC3C2A1F406}" type="datetimeFigureOut">
               <a:rPr lang="ru-KZ" smtClean="0"/>
-              <a:t>30.12.2019</a:t>
+              <a:t>06.01.2020</a:t>
             </a:fld>
             <a:endParaRPr lang="ru-KZ"/>
           </a:p>
@@ -2682,7 +6334,7 @@
           <a:p>
             <a:fld id="{39D688DE-258D-443B-88E0-FCC3C2A1F406}" type="datetimeFigureOut">
               <a:rPr lang="ru-KZ" smtClean="0"/>
-              <a:t>30.12.2019</a:t>
+              <a:t>06.01.2020</a:t>
             </a:fld>
             <a:endParaRPr lang="ru-KZ"/>
           </a:p>
@@ -2925,7 +6577,7 @@
           <a:p>
             <a:fld id="{39D688DE-258D-443B-88E0-FCC3C2A1F406}" type="datetimeFigureOut">
               <a:rPr lang="ru-KZ" smtClean="0"/>
-              <a:t>30.12.2019</a:t>
+              <a:t>06.01.2020</a:t>
             </a:fld>
             <a:endParaRPr lang="ru-KZ"/>
           </a:p>
@@ -3342,6 +6994,64 @@
           <a:chExt cx="0" cy="0"/>
         </a:xfrm>
       </p:grpSpPr>
+      <p:graphicFrame>
+        <p:nvGraphicFramePr>
+          <p:cNvPr id="4" name="Схема 3">
+            <a:extLst>
+              <a:ext uri="{FF2B5EF4-FFF2-40B4-BE49-F238E27FC236}">
+                <a16:creationId xmlns:a16="http://schemas.microsoft.com/office/drawing/2014/main" id="{FD4A63F8-79E0-477B-80F8-18FC5B764942}"/>
+              </a:ext>
+            </a:extLst>
+          </p:cNvPr>
+          <p:cNvGraphicFramePr/>
+          <p:nvPr>
+            <p:extLst>
+              <p:ext uri="{D42A27DB-BD31-4B8C-83A1-F6EECF244321}">
+                <p14:modId xmlns:p14="http://schemas.microsoft.com/office/powerpoint/2010/main" val="3082853457"/>
+              </p:ext>
+            </p:extLst>
+          </p:nvPr>
+        </p:nvGraphicFramePr>
+        <p:xfrm>
+          <a:off x="0" y="0"/>
+          <a:ext cx="12192000" cy="6858000"/>
+        </p:xfrm>
+        <a:graphic>
+          <a:graphicData uri="http://schemas.openxmlformats.org/drawingml/2006/diagram">
+            <dgm:relIds xmlns:dgm="http://schemas.openxmlformats.org/drawingml/2006/diagram" xmlns:r="http://schemas.openxmlformats.org/officeDocument/2006/relationships" r:dm="rId2" r:lo="rId3" r:qs="rId4" r:cs="rId5"/>
+          </a:graphicData>
+        </a:graphic>
+      </p:graphicFrame>
+    </p:spTree>
+    <p:extLst>
+      <p:ext uri="{BB962C8B-B14F-4D97-AF65-F5344CB8AC3E}">
+        <p14:creationId xmlns:p14="http://schemas.microsoft.com/office/powerpoint/2010/main" val="3547641132"/>
+      </p:ext>
+    </p:extLst>
+  </p:cSld>
+  <p:clrMapOvr>
+    <a:masterClrMapping/>
+  </p:clrMapOvr>
+</p:sld>
+</file>
+
+<file path=ppt/slides/slide2.xml><?xml version="1.0" encoding="utf-8"?>
+<p:sld xmlns:a="http://schemas.openxmlformats.org/drawingml/2006/main" xmlns:r="http://schemas.openxmlformats.org/officeDocument/2006/relationships" xmlns:p="http://schemas.openxmlformats.org/presentationml/2006/main">
+  <p:cSld>
+    <p:spTree>
+      <p:nvGrpSpPr>
+        <p:cNvPr id="1" name=""/>
+        <p:cNvGrpSpPr/>
+        <p:nvPr/>
+      </p:nvGrpSpPr>
+      <p:grpSpPr>
+        <a:xfrm>
+          <a:off x="0" y="0"/>
+          <a:ext cx="0" cy="0"/>
+          <a:chOff x="0" y="0"/>
+          <a:chExt cx="0" cy="0"/>
+        </a:xfrm>
+      </p:grpSpPr>
       <p:sp>
         <p:nvSpPr>
           <p:cNvPr id="4" name="Прямоугольник 3">

--- a/f-idea.pptx
+++ b/f-idea.pptx
@@ -7,6 +7,7 @@
   <p:sldIdLst>
     <p:sldId id="257" r:id="rId2"/>
     <p:sldId id="256" r:id="rId3"/>
+    <p:sldId id="258" r:id="rId4"/>
   </p:sldIdLst>
   <p:sldSz cx="12192000" cy="6858000"/>
   <p:notesSz cx="6858000" cy="9144000"/>
@@ -883,7 +884,23 @@
         <a:p>
           <a:r>
             <a:rPr lang="en-US" dirty="0"/>
-            <a:t>App</a:t>
+            <a:t>App(</a:t>
+          </a:r>
+          <a:r>
+            <a:rPr lang="ru-RU" dirty="0"/>
+            <a:t>компонент 1-го </a:t>
+          </a:r>
+          <a:r>
+            <a:rPr lang="ru-RU" dirty="0" err="1"/>
+            <a:t>ур</a:t>
+          </a:r>
+          <a:r>
+            <a:rPr lang="ru-RU" dirty="0"/>
+            <a:t>.</a:t>
+          </a:r>
+          <a:r>
+            <a:rPr lang="en-US" dirty="0"/>
+            <a:t>)</a:t>
           </a:r>
           <a:endParaRPr lang="ru-KZ" dirty="0"/>
         </a:p>
@@ -1541,7 +1558,23 @@
           </a:pPr>
           <a:r>
             <a:rPr lang="en-US" sz="6500" kern="1200" dirty="0"/>
-            <a:t>App</a:t>
+            <a:t>App(</a:t>
+          </a:r>
+          <a:r>
+            <a:rPr lang="ru-RU" sz="6500" kern="1200" dirty="0"/>
+            <a:t>компонент 1-го </a:t>
+          </a:r>
+          <a:r>
+            <a:rPr lang="ru-RU" sz="6500" kern="1200" dirty="0" err="1"/>
+            <a:t>ур</a:t>
+          </a:r>
+          <a:r>
+            <a:rPr lang="ru-RU" sz="6500" kern="1200" dirty="0"/>
+            <a:t>.</a:t>
+          </a:r>
+          <a:r>
+            <a:rPr lang="en-US" sz="6500" kern="1200" dirty="0"/>
+            <a:t>)</a:t>
           </a:r>
           <a:endParaRPr lang="ru-KZ" sz="6500" kern="1200" dirty="0"/>
         </a:p>
@@ -3908,7 +3941,7 @@
           <a:p>
             <a:fld id="{39D688DE-258D-443B-88E0-FCC3C2A1F406}" type="datetimeFigureOut">
               <a:rPr lang="ru-KZ" smtClean="0"/>
-              <a:t>06.01.2020</a:t>
+              <a:t>09.01.2020</a:t>
             </a:fld>
             <a:endParaRPr lang="ru-KZ"/>
           </a:p>
@@ -4108,7 +4141,7 @@
           <a:p>
             <a:fld id="{39D688DE-258D-443B-88E0-FCC3C2A1F406}" type="datetimeFigureOut">
               <a:rPr lang="ru-KZ" smtClean="0"/>
-              <a:t>06.01.2020</a:t>
+              <a:t>09.01.2020</a:t>
             </a:fld>
             <a:endParaRPr lang="ru-KZ"/>
           </a:p>
@@ -4318,7 +4351,7 @@
           <a:p>
             <a:fld id="{39D688DE-258D-443B-88E0-FCC3C2A1F406}" type="datetimeFigureOut">
               <a:rPr lang="ru-KZ" smtClean="0"/>
-              <a:t>06.01.2020</a:t>
+              <a:t>09.01.2020</a:t>
             </a:fld>
             <a:endParaRPr lang="ru-KZ"/>
           </a:p>
@@ -4518,7 +4551,7 @@
           <a:p>
             <a:fld id="{39D688DE-258D-443B-88E0-FCC3C2A1F406}" type="datetimeFigureOut">
               <a:rPr lang="ru-KZ" smtClean="0"/>
-              <a:t>06.01.2020</a:t>
+              <a:t>09.01.2020</a:t>
             </a:fld>
             <a:endParaRPr lang="ru-KZ"/>
           </a:p>
@@ -4794,7 +4827,7 @@
           <a:p>
             <a:fld id="{39D688DE-258D-443B-88E0-FCC3C2A1F406}" type="datetimeFigureOut">
               <a:rPr lang="ru-KZ" smtClean="0"/>
-              <a:t>06.01.2020</a:t>
+              <a:t>09.01.2020</a:t>
             </a:fld>
             <a:endParaRPr lang="ru-KZ"/>
           </a:p>
@@ -5062,7 +5095,7 @@
           <a:p>
             <a:fld id="{39D688DE-258D-443B-88E0-FCC3C2A1F406}" type="datetimeFigureOut">
               <a:rPr lang="ru-KZ" smtClean="0"/>
-              <a:t>06.01.2020</a:t>
+              <a:t>09.01.2020</a:t>
             </a:fld>
             <a:endParaRPr lang="ru-KZ"/>
           </a:p>
@@ -5477,7 +5510,7 @@
           <a:p>
             <a:fld id="{39D688DE-258D-443B-88E0-FCC3C2A1F406}" type="datetimeFigureOut">
               <a:rPr lang="ru-KZ" smtClean="0"/>
-              <a:t>06.01.2020</a:t>
+              <a:t>09.01.2020</a:t>
             </a:fld>
             <a:endParaRPr lang="ru-KZ"/>
           </a:p>
@@ -5619,7 +5652,7 @@
           <a:p>
             <a:fld id="{39D688DE-258D-443B-88E0-FCC3C2A1F406}" type="datetimeFigureOut">
               <a:rPr lang="ru-KZ" smtClean="0"/>
-              <a:t>06.01.2020</a:t>
+              <a:t>09.01.2020</a:t>
             </a:fld>
             <a:endParaRPr lang="ru-KZ"/>
           </a:p>
@@ -5732,7 +5765,7 @@
           <a:p>
             <a:fld id="{39D688DE-258D-443B-88E0-FCC3C2A1F406}" type="datetimeFigureOut">
               <a:rPr lang="ru-KZ" smtClean="0"/>
-              <a:t>06.01.2020</a:t>
+              <a:t>09.01.2020</a:t>
             </a:fld>
             <a:endParaRPr lang="ru-KZ"/>
           </a:p>
@@ -6045,7 +6078,7 @@
           <a:p>
             <a:fld id="{39D688DE-258D-443B-88E0-FCC3C2A1F406}" type="datetimeFigureOut">
               <a:rPr lang="ru-KZ" smtClean="0"/>
-              <a:t>06.01.2020</a:t>
+              <a:t>09.01.2020</a:t>
             </a:fld>
             <a:endParaRPr lang="ru-KZ"/>
           </a:p>
@@ -6334,7 +6367,7 @@
           <a:p>
             <a:fld id="{39D688DE-258D-443B-88E0-FCC3C2A1F406}" type="datetimeFigureOut">
               <a:rPr lang="ru-KZ" smtClean="0"/>
-              <a:t>06.01.2020</a:t>
+              <a:t>09.01.2020</a:t>
             </a:fld>
             <a:endParaRPr lang="ru-KZ"/>
           </a:p>
@@ -6577,7 +6610,7 @@
           <a:p>
             <a:fld id="{39D688DE-258D-443B-88E0-FCC3C2A1F406}" type="datetimeFigureOut">
               <a:rPr lang="ru-KZ" smtClean="0"/>
-              <a:t>06.01.2020</a:t>
+              <a:t>09.01.2020</a:t>
             </a:fld>
             <a:endParaRPr lang="ru-KZ"/>
           </a:p>
@@ -7007,7 +7040,7 @@
           <p:nvPr>
             <p:extLst>
               <p:ext uri="{D42A27DB-BD31-4B8C-83A1-F6EECF244321}">
-                <p14:modId xmlns:p14="http://schemas.microsoft.com/office/powerpoint/2010/main" val="3082853457"/>
+                <p14:modId xmlns:p14="http://schemas.microsoft.com/office/powerpoint/2010/main" val="2345236172"/>
               </p:ext>
             </p:extLst>
           </p:nvPr>
@@ -7322,6 +7355,36 @@
     <p:extLst>
       <p:ext uri="{BB962C8B-B14F-4D97-AF65-F5344CB8AC3E}">
         <p14:creationId xmlns:p14="http://schemas.microsoft.com/office/powerpoint/2010/main" val="754000694"/>
+      </p:ext>
+    </p:extLst>
+  </p:cSld>
+  <p:clrMapOvr>
+    <a:masterClrMapping/>
+  </p:clrMapOvr>
+</p:sld>
+</file>
+
+<file path=ppt/slides/slide3.xml><?xml version="1.0" encoding="utf-8"?>
+<p:sld xmlns:a="http://schemas.openxmlformats.org/drawingml/2006/main" xmlns:r="http://schemas.openxmlformats.org/officeDocument/2006/relationships" xmlns:p="http://schemas.openxmlformats.org/presentationml/2006/main">
+  <p:cSld>
+    <p:spTree>
+      <p:nvGrpSpPr>
+        <p:cNvPr id="1" name=""/>
+        <p:cNvGrpSpPr/>
+        <p:nvPr/>
+      </p:nvGrpSpPr>
+      <p:grpSpPr>
+        <a:xfrm>
+          <a:off x="0" y="0"/>
+          <a:ext cx="0" cy="0"/>
+          <a:chOff x="0" y="0"/>
+          <a:chExt cx="0" cy="0"/>
+        </a:xfrm>
+      </p:grpSpPr>
+    </p:spTree>
+    <p:extLst>
+      <p:ext uri="{BB962C8B-B14F-4D97-AF65-F5344CB8AC3E}">
+        <p14:creationId xmlns:p14="http://schemas.microsoft.com/office/powerpoint/2010/main" val="2167354203"/>
       </p:ext>
     </p:extLst>
   </p:cSld>
